--- a/concepts/Concept.pptx
+++ b/concepts/Concept.pptx
@@ -6,8 +6,18 @@
   </p:sldMasterIdLst>
   <p:sldIdLst>
     <p:sldId id="256" r:id="rId2"/>
-    <p:sldId id="261" r:id="rId3"/>
+    <p:sldId id="262" r:id="rId3"/>
     <p:sldId id="260" r:id="rId4"/>
+    <p:sldId id="263" r:id="rId5"/>
+    <p:sldId id="264" r:id="rId6"/>
+    <p:sldId id="265" r:id="rId7"/>
+    <p:sldId id="266" r:id="rId8"/>
+    <p:sldId id="267" r:id="rId9"/>
+    <p:sldId id="268" r:id="rId10"/>
+    <p:sldId id="269" r:id="rId11"/>
+    <p:sldId id="270" r:id="rId12"/>
+    <p:sldId id="271" r:id="rId13"/>
+    <p:sldId id="272" r:id="rId14"/>
   </p:sldIdLst>
   <p:sldSz cx="12192000" cy="6858000"/>
   <p:notesSz cx="6858000" cy="9144000"/>
@@ -261,7 +271,7 @@
           <a:p>
             <a:fld id="{E3DB8004-E226-4CFA-9490-C43107A0C39A}" type="datetimeFigureOut">
               <a:rPr lang="de-DE" smtClean="0"/>
-              <a:t>31.05.2021</a:t>
+              <a:t>01.06.2021</a:t>
             </a:fld>
             <a:endParaRPr lang="de-DE"/>
           </a:p>
@@ -459,7 +469,7 @@
           <a:p>
             <a:fld id="{E3DB8004-E226-4CFA-9490-C43107A0C39A}" type="datetimeFigureOut">
               <a:rPr lang="de-DE" smtClean="0"/>
-              <a:t>31.05.2021</a:t>
+              <a:t>01.06.2021</a:t>
             </a:fld>
             <a:endParaRPr lang="de-DE"/>
           </a:p>
@@ -667,7 +677,7 @@
           <a:p>
             <a:fld id="{E3DB8004-E226-4CFA-9490-C43107A0C39A}" type="datetimeFigureOut">
               <a:rPr lang="de-DE" smtClean="0"/>
-              <a:t>31.05.2021</a:t>
+              <a:t>01.06.2021</a:t>
             </a:fld>
             <a:endParaRPr lang="de-DE"/>
           </a:p>
@@ -865,7 +875,7 @@
           <a:p>
             <a:fld id="{E3DB8004-E226-4CFA-9490-C43107A0C39A}" type="datetimeFigureOut">
               <a:rPr lang="de-DE" smtClean="0"/>
-              <a:t>31.05.2021</a:t>
+              <a:t>01.06.2021</a:t>
             </a:fld>
             <a:endParaRPr lang="de-DE"/>
           </a:p>
@@ -1140,7 +1150,7 @@
           <a:p>
             <a:fld id="{E3DB8004-E226-4CFA-9490-C43107A0C39A}" type="datetimeFigureOut">
               <a:rPr lang="de-DE" smtClean="0"/>
-              <a:t>31.05.2021</a:t>
+              <a:t>01.06.2021</a:t>
             </a:fld>
             <a:endParaRPr lang="de-DE"/>
           </a:p>
@@ -1405,7 +1415,7 @@
           <a:p>
             <a:fld id="{E3DB8004-E226-4CFA-9490-C43107A0C39A}" type="datetimeFigureOut">
               <a:rPr lang="de-DE" smtClean="0"/>
-              <a:t>31.05.2021</a:t>
+              <a:t>01.06.2021</a:t>
             </a:fld>
             <a:endParaRPr lang="de-DE"/>
           </a:p>
@@ -1817,7 +1827,7 @@
           <a:p>
             <a:fld id="{E3DB8004-E226-4CFA-9490-C43107A0C39A}" type="datetimeFigureOut">
               <a:rPr lang="de-DE" smtClean="0"/>
-              <a:t>31.05.2021</a:t>
+              <a:t>01.06.2021</a:t>
             </a:fld>
             <a:endParaRPr lang="de-DE"/>
           </a:p>
@@ -1958,7 +1968,7 @@
           <a:p>
             <a:fld id="{E3DB8004-E226-4CFA-9490-C43107A0C39A}" type="datetimeFigureOut">
               <a:rPr lang="de-DE" smtClean="0"/>
-              <a:t>31.05.2021</a:t>
+              <a:t>01.06.2021</a:t>
             </a:fld>
             <a:endParaRPr lang="de-DE"/>
           </a:p>
@@ -2071,7 +2081,7 @@
           <a:p>
             <a:fld id="{E3DB8004-E226-4CFA-9490-C43107A0C39A}" type="datetimeFigureOut">
               <a:rPr lang="de-DE" smtClean="0"/>
-              <a:t>31.05.2021</a:t>
+              <a:t>01.06.2021</a:t>
             </a:fld>
             <a:endParaRPr lang="de-DE"/>
           </a:p>
@@ -2382,7 +2392,7 @@
           <a:p>
             <a:fld id="{E3DB8004-E226-4CFA-9490-C43107A0C39A}" type="datetimeFigureOut">
               <a:rPr lang="de-DE" smtClean="0"/>
-              <a:t>31.05.2021</a:t>
+              <a:t>01.06.2021</a:t>
             </a:fld>
             <a:endParaRPr lang="de-DE"/>
           </a:p>
@@ -2670,7 +2680,7 @@
           <a:p>
             <a:fld id="{E3DB8004-E226-4CFA-9490-C43107A0C39A}" type="datetimeFigureOut">
               <a:rPr lang="de-DE" smtClean="0"/>
-              <a:t>31.05.2021</a:t>
+              <a:t>01.06.2021</a:t>
             </a:fld>
             <a:endParaRPr lang="de-DE"/>
           </a:p>
@@ -2911,7 +2921,7 @@
           <a:p>
             <a:fld id="{E3DB8004-E226-4CFA-9490-C43107A0C39A}" type="datetimeFigureOut">
               <a:rPr lang="de-DE" smtClean="0"/>
-              <a:t>31.05.2021</a:t>
+              <a:t>01.06.2021</a:t>
             </a:fld>
             <a:endParaRPr lang="de-DE"/>
           </a:p>
@@ -3312,7 +3322,7 @@
 </file>
 
 <file path=ppt/slides/slide1.xml><?xml version="1.0" encoding="utf-8"?>
-<p:sld xmlns:a="http://schemas.openxmlformats.org/drawingml/2006/main" xmlns:r="http://schemas.openxmlformats.org/officeDocument/2006/relationships" xmlns:p="http://schemas.openxmlformats.org/presentationml/2006/main">
+<p:sld xmlns:a="http://schemas.openxmlformats.org/drawingml/2006/main" xmlns:r="http://schemas.openxmlformats.org/officeDocument/2006/relationships" xmlns:p="http://schemas.openxmlformats.org/presentationml/2006/main" show="0">
   <p:cSld>
     <p:bg>
       <p:bgPr>
@@ -3536,6 +3546,444 @@
     <p:extLst>
       <p:ext uri="{BB962C8B-B14F-4D97-AF65-F5344CB8AC3E}">
         <p14:creationId xmlns:p14="http://schemas.microsoft.com/office/powerpoint/2010/main" val="4202778375"/>
+      </p:ext>
+    </p:extLst>
+  </p:cSld>
+  <p:clrMapOvr>
+    <a:masterClrMapping/>
+  </p:clrMapOvr>
+</p:sld>
+</file>
+
+<file path=ppt/slides/slide10.xml><?xml version="1.0" encoding="utf-8"?>
+<p:sld xmlns:a="http://schemas.openxmlformats.org/drawingml/2006/main" xmlns:r="http://schemas.openxmlformats.org/officeDocument/2006/relationships" xmlns:p="http://schemas.openxmlformats.org/presentationml/2006/main">
+  <p:cSld>
+    <p:spTree>
+      <p:nvGrpSpPr>
+        <p:cNvPr id="1" name=""/>
+        <p:cNvGrpSpPr/>
+        <p:nvPr/>
+      </p:nvGrpSpPr>
+      <p:grpSpPr>
+        <a:xfrm>
+          <a:off x="0" y="0"/>
+          <a:ext cx="0" cy="0"/>
+          <a:chOff x="0" y="0"/>
+          <a:chExt cx="0" cy="0"/>
+        </a:xfrm>
+      </p:grpSpPr>
+      <p:sp>
+        <p:nvSpPr>
+          <p:cNvPr id="2" name="Titel 1">
+            <a:extLst>
+              <a:ext uri="{FF2B5EF4-FFF2-40B4-BE49-F238E27FC236}">
+                <a16:creationId xmlns:a16="http://schemas.microsoft.com/office/drawing/2014/main" id="{759B25BE-E8BE-4EAE-B8A3-951FADB0FBAA}"/>
+              </a:ext>
+            </a:extLst>
+          </p:cNvPr>
+          <p:cNvSpPr>
+            <a:spLocks noGrp="1"/>
+          </p:cNvSpPr>
+          <p:nvPr>
+            <p:ph type="title"/>
+          </p:nvPr>
+        </p:nvSpPr>
+        <p:spPr/>
+        <p:txBody>
+          <a:bodyPr/>
+          <a:lstStyle/>
+          <a:p>
+            <a:r>
+              <a:rPr lang="de-DE" dirty="0"/>
+              <a:t>Externe Daten</a:t>
+            </a:r>
+          </a:p>
+        </p:txBody>
+      </p:sp>
+      <p:sp>
+        <p:nvSpPr>
+          <p:cNvPr id="3" name="Inhaltsplatzhalter 2">
+            <a:extLst>
+              <a:ext uri="{FF2B5EF4-FFF2-40B4-BE49-F238E27FC236}">
+                <a16:creationId xmlns:a16="http://schemas.microsoft.com/office/drawing/2014/main" id="{4C5AAB02-E45C-4BD7-9E18-6A3E71DEC484}"/>
+              </a:ext>
+            </a:extLst>
+          </p:cNvPr>
+          <p:cNvSpPr>
+            <a:spLocks noGrp="1"/>
+          </p:cNvSpPr>
+          <p:nvPr>
+            <p:ph idx="1"/>
+          </p:nvPr>
+        </p:nvSpPr>
+        <p:spPr/>
+        <p:txBody>
+          <a:bodyPr/>
+          <a:lstStyle/>
+          <a:p>
+            <a:r>
+              <a:rPr lang="de-DE" dirty="0"/>
+              <a:t>Bestenliste in der die Bestzeiten gespeichert sind</a:t>
+            </a:r>
+          </a:p>
+          <a:p>
+            <a:pPr marL="179388" indent="-179388">
+              <a:spcAft>
+                <a:spcPts val="600"/>
+              </a:spcAft>
+              <a:buFont typeface="Arial" panose="020B0604020202020204" pitchFamily="34" charset="0"/>
+              <a:buChar char="•"/>
+            </a:pPr>
+            <a:r>
+              <a:rPr lang="de-DE" sz="2800" dirty="0"/>
+              <a:t>Gamesettings in denen z.B. </a:t>
+            </a:r>
+            <a:r>
+              <a:rPr lang="de-DE" dirty="0"/>
+              <a:t>die Kippgeschwindigkeit konfiguriert werden kann</a:t>
+            </a:r>
+          </a:p>
+        </p:txBody>
+      </p:sp>
+    </p:spTree>
+    <p:extLst>
+      <p:ext uri="{BB962C8B-B14F-4D97-AF65-F5344CB8AC3E}">
+        <p14:creationId xmlns:p14="http://schemas.microsoft.com/office/powerpoint/2010/main" val="1206813753"/>
+      </p:ext>
+    </p:extLst>
+  </p:cSld>
+  <p:clrMapOvr>
+    <a:masterClrMapping/>
+  </p:clrMapOvr>
+</p:sld>
+</file>
+
+<file path=ppt/slides/slide11.xml><?xml version="1.0" encoding="utf-8"?>
+<p:sld xmlns:a="http://schemas.openxmlformats.org/drawingml/2006/main" xmlns:r="http://schemas.openxmlformats.org/officeDocument/2006/relationships" xmlns:p="http://schemas.openxmlformats.org/presentationml/2006/main">
+  <p:cSld>
+    <p:spTree>
+      <p:nvGrpSpPr>
+        <p:cNvPr id="1" name=""/>
+        <p:cNvGrpSpPr/>
+        <p:nvPr/>
+      </p:nvGrpSpPr>
+      <p:grpSpPr>
+        <a:xfrm>
+          <a:off x="0" y="0"/>
+          <a:ext cx="0" cy="0"/>
+          <a:chOff x="0" y="0"/>
+          <a:chExt cx="0" cy="0"/>
+        </a:xfrm>
+      </p:grpSpPr>
+      <p:sp>
+        <p:nvSpPr>
+          <p:cNvPr id="2" name="Titel 1">
+            <a:extLst>
+              <a:ext uri="{FF2B5EF4-FFF2-40B4-BE49-F238E27FC236}">
+                <a16:creationId xmlns:a16="http://schemas.microsoft.com/office/drawing/2014/main" id="{65FD46B0-8AC6-4A9A-935C-6A9F05493341}"/>
+              </a:ext>
+            </a:extLst>
+          </p:cNvPr>
+          <p:cNvSpPr>
+            <a:spLocks noGrp="1"/>
+          </p:cNvSpPr>
+          <p:nvPr>
+            <p:ph type="title"/>
+          </p:nvPr>
+        </p:nvSpPr>
+        <p:spPr/>
+        <p:txBody>
+          <a:bodyPr/>
+          <a:lstStyle/>
+          <a:p>
+            <a:r>
+              <a:rPr lang="de-DE" dirty="0"/>
+              <a:t>Komponenten</a:t>
+            </a:r>
+          </a:p>
+        </p:txBody>
+      </p:sp>
+      <p:sp>
+        <p:nvSpPr>
+          <p:cNvPr id="3" name="Inhaltsplatzhalter 2">
+            <a:extLst>
+              <a:ext uri="{FF2B5EF4-FFF2-40B4-BE49-F238E27FC236}">
+                <a16:creationId xmlns:a16="http://schemas.microsoft.com/office/drawing/2014/main" id="{9D6398BC-CF99-4EF8-84EB-86A0C9AD7F96}"/>
+              </a:ext>
+            </a:extLst>
+          </p:cNvPr>
+          <p:cNvSpPr>
+            <a:spLocks noGrp="1"/>
+          </p:cNvSpPr>
+          <p:nvPr>
+            <p:ph idx="1"/>
+          </p:nvPr>
+        </p:nvSpPr>
+        <p:spPr/>
+        <p:txBody>
+          <a:bodyPr/>
+          <a:lstStyle/>
+          <a:p>
+            <a:r>
+              <a:rPr lang="de-DE" dirty="0"/>
+              <a:t>Plattformkomponente, die an die Plattformen in der Szene angehängt werden kann</a:t>
+            </a:r>
+          </a:p>
+          <a:p>
+            <a:r>
+              <a:rPr lang="de-DE" dirty="0"/>
+              <a:t>Kanonenkomponente</a:t>
+            </a:r>
+          </a:p>
+          <a:p>
+            <a:r>
+              <a:rPr lang="de-DE" dirty="0"/>
+              <a:t>Komponente für bewegliche Wände</a:t>
+            </a:r>
+          </a:p>
+        </p:txBody>
+      </p:sp>
+    </p:spTree>
+    <p:extLst>
+      <p:ext uri="{BB962C8B-B14F-4D97-AF65-F5344CB8AC3E}">
+        <p14:creationId xmlns:p14="http://schemas.microsoft.com/office/powerpoint/2010/main" val="2907456757"/>
+      </p:ext>
+    </p:extLst>
+  </p:cSld>
+  <p:clrMapOvr>
+    <a:masterClrMapping/>
+  </p:clrMapOvr>
+</p:sld>
+</file>
+
+<file path=ppt/slides/slide12.xml><?xml version="1.0" encoding="utf-8"?>
+<p:sld xmlns:a="http://schemas.openxmlformats.org/drawingml/2006/main" xmlns:r="http://schemas.openxmlformats.org/officeDocument/2006/relationships" xmlns:p="http://schemas.openxmlformats.org/presentationml/2006/main">
+  <p:cSld>
+    <p:spTree>
+      <p:nvGrpSpPr>
+        <p:cNvPr id="1" name=""/>
+        <p:cNvGrpSpPr/>
+        <p:nvPr/>
+      </p:nvGrpSpPr>
+      <p:grpSpPr>
+        <a:xfrm>
+          <a:off x="0" y="0"/>
+          <a:ext cx="0" cy="0"/>
+          <a:chOff x="0" y="0"/>
+          <a:chExt cx="0" cy="0"/>
+        </a:xfrm>
+      </p:grpSpPr>
+      <p:sp>
+        <p:nvSpPr>
+          <p:cNvPr id="2" name="Titel 1">
+            <a:extLst>
+              <a:ext uri="{FF2B5EF4-FFF2-40B4-BE49-F238E27FC236}">
+                <a16:creationId xmlns:a16="http://schemas.microsoft.com/office/drawing/2014/main" id="{C8F9D496-6F74-4866-8683-B6A21E92A045}"/>
+              </a:ext>
+            </a:extLst>
+          </p:cNvPr>
+          <p:cNvSpPr>
+            <a:spLocks noGrp="1"/>
+          </p:cNvSpPr>
+          <p:nvPr>
+            <p:ph type="title"/>
+          </p:nvPr>
+        </p:nvSpPr>
+        <p:spPr/>
+        <p:txBody>
+          <a:bodyPr/>
+          <a:lstStyle/>
+          <a:p>
+            <a:r>
+              <a:rPr lang="de-DE" dirty="0"/>
+              <a:t>Maße &amp; Positionen</a:t>
+            </a:r>
+          </a:p>
+        </p:txBody>
+      </p:sp>
+      <p:sp>
+        <p:nvSpPr>
+          <p:cNvPr id="3" name="Inhaltsplatzhalter 2">
+            <a:extLst>
+              <a:ext uri="{FF2B5EF4-FFF2-40B4-BE49-F238E27FC236}">
+                <a16:creationId xmlns:a16="http://schemas.microsoft.com/office/drawing/2014/main" id="{7E8AE8FC-A95B-4800-8E2C-74812DD3A60F}"/>
+              </a:ext>
+            </a:extLst>
+          </p:cNvPr>
+          <p:cNvSpPr>
+            <a:spLocks noGrp="1"/>
+          </p:cNvSpPr>
+          <p:nvPr>
+            <p:ph idx="1"/>
+          </p:nvPr>
+        </p:nvSpPr>
+        <p:spPr/>
+        <p:txBody>
+          <a:bodyPr/>
+          <a:lstStyle/>
+          <a:p>
+            <a:r>
+              <a:rPr lang="de-DE" dirty="0"/>
+              <a:t>Startposition ist 0</a:t>
+            </a:r>
+          </a:p>
+          <a:p>
+            <a:r>
+              <a:rPr lang="de-DE" dirty="0"/>
+              <a:t>Balldurchmesser ist 1</a:t>
+            </a:r>
+          </a:p>
+        </p:txBody>
+      </p:sp>
+    </p:spTree>
+    <p:extLst>
+      <p:ext uri="{BB962C8B-B14F-4D97-AF65-F5344CB8AC3E}">
+        <p14:creationId xmlns:p14="http://schemas.microsoft.com/office/powerpoint/2010/main" val="3110857977"/>
+      </p:ext>
+    </p:extLst>
+  </p:cSld>
+  <p:clrMapOvr>
+    <a:masterClrMapping/>
+  </p:clrMapOvr>
+</p:sld>
+</file>
+
+<file path=ppt/slides/slide13.xml><?xml version="1.0" encoding="utf-8"?>
+<p:sld xmlns:a="http://schemas.openxmlformats.org/drawingml/2006/main" xmlns:r="http://schemas.openxmlformats.org/officeDocument/2006/relationships" xmlns:p="http://schemas.openxmlformats.org/presentationml/2006/main">
+  <p:cSld>
+    <p:spTree>
+      <p:nvGrpSpPr>
+        <p:cNvPr id="1" name=""/>
+        <p:cNvGrpSpPr/>
+        <p:nvPr/>
+      </p:nvGrpSpPr>
+      <p:grpSpPr>
+        <a:xfrm>
+          <a:off x="0" y="0"/>
+          <a:ext cx="0" cy="0"/>
+          <a:chOff x="0" y="0"/>
+          <a:chExt cx="0" cy="0"/>
+        </a:xfrm>
+      </p:grpSpPr>
+      <p:sp>
+        <p:nvSpPr>
+          <p:cNvPr id="2" name="Titel 1">
+            <a:extLst>
+              <a:ext uri="{FF2B5EF4-FFF2-40B4-BE49-F238E27FC236}">
+                <a16:creationId xmlns:a16="http://schemas.microsoft.com/office/drawing/2014/main" id="{E6AC7094-895F-4971-9A8C-7D9E5349A7E6}"/>
+              </a:ext>
+            </a:extLst>
+          </p:cNvPr>
+          <p:cNvSpPr>
+            <a:spLocks noGrp="1"/>
+          </p:cNvSpPr>
+          <p:nvPr>
+            <p:ph type="title"/>
+          </p:nvPr>
+        </p:nvSpPr>
+        <p:spPr/>
+        <p:txBody>
+          <a:bodyPr/>
+          <a:lstStyle/>
+          <a:p>
+            <a:r>
+              <a:rPr lang="de-DE" dirty="0"/>
+              <a:t>Event-System</a:t>
+            </a:r>
+          </a:p>
+        </p:txBody>
+      </p:sp>
+      <p:sp>
+        <p:nvSpPr>
+          <p:cNvPr id="3" name="Inhaltsplatzhalter 2">
+            <a:extLst>
+              <a:ext uri="{FF2B5EF4-FFF2-40B4-BE49-F238E27FC236}">
+                <a16:creationId xmlns:a16="http://schemas.microsoft.com/office/drawing/2014/main" id="{62C79E57-B09D-4C92-B3B6-212206AD7C9E}"/>
+              </a:ext>
+            </a:extLst>
+          </p:cNvPr>
+          <p:cNvSpPr>
+            <a:spLocks noGrp="1"/>
+          </p:cNvSpPr>
+          <p:nvPr>
+            <p:ph idx="1"/>
+          </p:nvPr>
+        </p:nvSpPr>
+        <p:spPr/>
+        <p:txBody>
+          <a:bodyPr/>
+          <a:lstStyle/>
+          <a:p>
+            <a:r>
+              <a:rPr lang="de-DE" dirty="0"/>
+              <a:t>Kollisionen</a:t>
+            </a:r>
+          </a:p>
+          <a:p>
+            <a:pPr lvl="1"/>
+            <a:r>
+              <a:rPr lang="de-DE" dirty="0">
+                <a:sym typeface="Wingdings" panose="05000000000000000000" pitchFamily="2" charset="2"/>
+              </a:rPr>
+              <a:t>Soundeffekt</a:t>
+            </a:r>
+          </a:p>
+          <a:p>
+            <a:pPr lvl="1"/>
+            <a:r>
+              <a:rPr lang="de-DE" dirty="0">
+                <a:sym typeface="Wingdings" panose="05000000000000000000" pitchFamily="2" charset="2"/>
+              </a:rPr>
+              <a:t>Plattformkontrollwechsel</a:t>
+            </a:r>
+            <a:endParaRPr lang="de-DE" dirty="0"/>
+          </a:p>
+          <a:p>
+            <a:pPr lvl="1"/>
+            <a:r>
+              <a:rPr lang="de-DE" dirty="0"/>
+              <a:t>Spielende</a:t>
+            </a:r>
+            <a:endParaRPr lang="de-DE" dirty="0">
+              <a:sym typeface="Wingdings" panose="05000000000000000000" pitchFamily="2" charset="2"/>
+            </a:endParaRPr>
+          </a:p>
+          <a:p>
+            <a:r>
+              <a:rPr lang="de-DE" dirty="0" err="1">
+                <a:sym typeface="Wingdings" panose="05000000000000000000" pitchFamily="2" charset="2"/>
+              </a:rPr>
+              <a:t>Triggerbox</a:t>
+            </a:r>
+            <a:r>
+              <a:rPr lang="de-DE" dirty="0">
+                <a:sym typeface="Wingdings" panose="05000000000000000000" pitchFamily="2" charset="2"/>
+              </a:rPr>
+              <a:t> Ein- und Austritte</a:t>
+            </a:r>
+          </a:p>
+          <a:p>
+            <a:pPr lvl="1"/>
+            <a:r>
+              <a:rPr lang="de-DE" dirty="0">
+                <a:sym typeface="Wingdings" panose="05000000000000000000" pitchFamily="2" charset="2"/>
+              </a:rPr>
+              <a:t>Zurücksetzen des Balls</a:t>
+            </a:r>
+          </a:p>
+          <a:p>
+            <a:pPr lvl="1"/>
+            <a:r>
+              <a:rPr lang="de-DE" dirty="0"/>
+              <a:t>Abfeuern einer Kanone</a:t>
+            </a:r>
+          </a:p>
+        </p:txBody>
+      </p:sp>
+    </p:spTree>
+    <p:extLst>
+      <p:ext uri="{BB962C8B-B14F-4D97-AF65-F5344CB8AC3E}">
+        <p14:creationId xmlns:p14="http://schemas.microsoft.com/office/powerpoint/2010/main" val="321917908"/>
       </p:ext>
     </p:extLst>
   </p:cSld>
@@ -4092,7 +4540,7 @@
         <p:spPr>
           <a:xfrm>
             <a:off x="1075559" y="3944566"/>
-            <a:ext cx="10036278" cy="2246769"/>
+            <a:ext cx="10036278" cy="1938992"/>
           </a:xfrm>
           <a:prstGeom prst="rect">
             <a:avLst/>
@@ -4166,7 +4614,7 @@
             </a:pPr>
             <a:r>
               <a:rPr lang="de-DE" sz="2000" dirty="0"/>
-              <a:t>Wird das Ziel erreicht, wird der Ball zurückgesetzt und die Zeit in einer Bestzeitentabelle gespeichert</a:t>
+              <a:t>Erreichen einer Zielplattform beendet das Spiel</a:t>
             </a:r>
           </a:p>
         </p:txBody>
@@ -4174,7 +4622,7 @@
     </p:spTree>
     <p:extLst>
       <p:ext uri="{BB962C8B-B14F-4D97-AF65-F5344CB8AC3E}">
-        <p14:creationId xmlns:p14="http://schemas.microsoft.com/office/powerpoint/2010/main" val="3962892412"/>
+        <p14:creationId xmlns:p14="http://schemas.microsoft.com/office/powerpoint/2010/main" val="789429850"/>
       </p:ext>
     </p:extLst>
   </p:cSld>
@@ -4731,7 +5179,7 @@
         <p:spPr>
           <a:xfrm>
             <a:off x="1075559" y="3944566"/>
-            <a:ext cx="10036278" cy="2323713"/>
+            <a:ext cx="10036278" cy="784830"/>
           </a:xfrm>
           <a:prstGeom prst="rect">
             <a:avLst/>
@@ -4769,64 +5217,1451 @@
               <a:t>Schanzen, Löcher und sich stetig bewegende Wände</a:t>
             </a:r>
           </a:p>
-          <a:p>
-            <a:pPr marL="179388" indent="-179388">
-              <a:spcAft>
-                <a:spcPts val="600"/>
-              </a:spcAft>
-              <a:buFont typeface="Arial" panose="020B0604020202020204" pitchFamily="34" charset="0"/>
-              <a:buChar char="•"/>
-            </a:pPr>
-            <a:r>
-              <a:rPr lang="de-DE" sz="2000" dirty="0"/>
-              <a:t>Soundeffekt bei Kollisionen der Kugel</a:t>
-            </a:r>
-          </a:p>
-          <a:p>
-            <a:pPr marL="179388" indent="-179388">
-              <a:spcAft>
-                <a:spcPts val="600"/>
-              </a:spcAft>
-              <a:buFont typeface="Arial" panose="020B0604020202020204" pitchFamily="34" charset="0"/>
-              <a:buChar char="•"/>
-            </a:pPr>
-            <a:r>
-              <a:rPr lang="de-DE" sz="2000" dirty="0"/>
-              <a:t>Startmenu in dem das Spiel gestartet und zur Bestenliste navigiert werden kann</a:t>
-            </a:r>
-          </a:p>
-          <a:p>
-            <a:pPr marL="179388" indent="-179388">
-              <a:spcAft>
-                <a:spcPts val="600"/>
-              </a:spcAft>
-              <a:buFont typeface="Arial" panose="020B0604020202020204" pitchFamily="34" charset="0"/>
-              <a:buChar char="•"/>
-            </a:pPr>
-            <a:r>
-              <a:rPr lang="de-DE" sz="2000" dirty="0"/>
-              <a:t>Kippgeschwindigkeit kann in den Gamesettings konfiguriert werden</a:t>
-            </a:r>
-          </a:p>
-          <a:p>
-            <a:pPr marL="179388" indent="-179388">
-              <a:spcAft>
-                <a:spcPts val="600"/>
-              </a:spcAft>
-              <a:buFont typeface="Arial" panose="020B0604020202020204" pitchFamily="34" charset="0"/>
-              <a:buChar char="•"/>
-            </a:pPr>
-            <a:r>
-              <a:rPr lang="de-DE" sz="2000" dirty="0"/>
-              <a:t>Klassenhierarchie innerhalb der Skriptkomponenten</a:t>
-            </a:r>
-          </a:p>
         </p:txBody>
       </p:sp>
     </p:spTree>
     <p:extLst>
       <p:ext uri="{BB962C8B-B14F-4D97-AF65-F5344CB8AC3E}">
         <p14:creationId xmlns:p14="http://schemas.microsoft.com/office/powerpoint/2010/main" val="4169128965"/>
+      </p:ext>
+    </p:extLst>
+  </p:cSld>
+  <p:clrMapOvr>
+    <a:masterClrMapping/>
+  </p:clrMapOvr>
+</p:sld>
+</file>
+
+<file path=ppt/slides/slide4.xml><?xml version="1.0" encoding="utf-8"?>
+<p:sld xmlns:a="http://schemas.openxmlformats.org/drawingml/2006/main" xmlns:r="http://schemas.openxmlformats.org/officeDocument/2006/relationships" xmlns:p="http://schemas.openxmlformats.org/presentationml/2006/main">
+  <p:cSld>
+    <p:spTree>
+      <p:nvGrpSpPr>
+        <p:cNvPr id="1" name=""/>
+        <p:cNvGrpSpPr/>
+        <p:nvPr/>
+      </p:nvGrpSpPr>
+      <p:grpSpPr>
+        <a:xfrm>
+          <a:off x="0" y="0"/>
+          <a:ext cx="0" cy="0"/>
+          <a:chOff x="0" y="0"/>
+          <a:chExt cx="0" cy="0"/>
+        </a:xfrm>
+      </p:grpSpPr>
+      <p:sp>
+        <p:nvSpPr>
+          <p:cNvPr id="2" name="Titel 1">
+            <a:extLst>
+              <a:ext uri="{FF2B5EF4-FFF2-40B4-BE49-F238E27FC236}">
+                <a16:creationId xmlns:a16="http://schemas.microsoft.com/office/drawing/2014/main" id="{1C7BCDE0-60BE-4B3A-83EF-0346D05CB181}"/>
+              </a:ext>
+            </a:extLst>
+          </p:cNvPr>
+          <p:cNvSpPr>
+            <a:spLocks noGrp="1"/>
+          </p:cNvSpPr>
+          <p:nvPr>
+            <p:ph type="title"/>
+          </p:nvPr>
+        </p:nvSpPr>
+        <p:spPr/>
+        <p:txBody>
+          <a:bodyPr/>
+          <a:lstStyle/>
+          <a:p>
+            <a:r>
+              <a:rPr lang="de-DE" dirty="0"/>
+              <a:t>Nutzerinteraktionen</a:t>
+            </a:r>
+          </a:p>
+        </p:txBody>
+      </p:sp>
+      <p:sp>
+        <p:nvSpPr>
+          <p:cNvPr id="3" name="Inhaltsplatzhalter 2">
+            <a:extLst>
+              <a:ext uri="{FF2B5EF4-FFF2-40B4-BE49-F238E27FC236}">
+                <a16:creationId xmlns:a16="http://schemas.microsoft.com/office/drawing/2014/main" id="{CC095B5B-2ED5-43EA-A4A0-2FAA2D172717}"/>
+              </a:ext>
+            </a:extLst>
+          </p:cNvPr>
+          <p:cNvSpPr>
+            <a:spLocks noGrp="1"/>
+          </p:cNvSpPr>
+          <p:nvPr>
+            <p:ph idx="1"/>
+          </p:nvPr>
+        </p:nvSpPr>
+        <p:spPr/>
+        <p:txBody>
+          <a:bodyPr/>
+          <a:lstStyle/>
+          <a:p>
+            <a:r>
+              <a:rPr lang="de-DE" dirty="0"/>
+              <a:t>Navigation im Startmenu</a:t>
+            </a:r>
+          </a:p>
+          <a:p>
+            <a:r>
+              <a:rPr lang="de-DE" dirty="0"/>
+              <a:t>Spielabbruch: Escape und in-game-Dialog</a:t>
+            </a:r>
+          </a:p>
+          <a:p>
+            <a:r>
+              <a:rPr lang="de-DE" dirty="0"/>
+              <a:t>Kippen der Plattformen: Bewegung der Maus</a:t>
+            </a:r>
+          </a:p>
+          <a:p>
+            <a:r>
+              <a:rPr lang="de-DE" dirty="0"/>
+              <a:t>Drehen der Plattformen: Mausrad</a:t>
+            </a:r>
+          </a:p>
+        </p:txBody>
+      </p:sp>
+    </p:spTree>
+    <p:extLst>
+      <p:ext uri="{BB962C8B-B14F-4D97-AF65-F5344CB8AC3E}">
+        <p14:creationId xmlns:p14="http://schemas.microsoft.com/office/powerpoint/2010/main" val="2712758755"/>
+      </p:ext>
+    </p:extLst>
+  </p:cSld>
+  <p:clrMapOvr>
+    <a:masterClrMapping/>
+  </p:clrMapOvr>
+</p:sld>
+</file>
+
+<file path=ppt/slides/slide5.xml><?xml version="1.0" encoding="utf-8"?>
+<p:sld xmlns:a="http://schemas.openxmlformats.org/drawingml/2006/main" xmlns:r="http://schemas.openxmlformats.org/officeDocument/2006/relationships" xmlns:p="http://schemas.openxmlformats.org/presentationml/2006/main">
+  <p:cSld>
+    <p:spTree>
+      <p:nvGrpSpPr>
+        <p:cNvPr id="1" name=""/>
+        <p:cNvGrpSpPr/>
+        <p:nvPr/>
+      </p:nvGrpSpPr>
+      <p:grpSpPr>
+        <a:xfrm>
+          <a:off x="0" y="0"/>
+          <a:ext cx="0" cy="0"/>
+          <a:chOff x="0" y="0"/>
+          <a:chExt cx="0" cy="0"/>
+        </a:xfrm>
+      </p:grpSpPr>
+      <p:sp>
+        <p:nvSpPr>
+          <p:cNvPr id="2" name="Titel 1">
+            <a:extLst>
+              <a:ext uri="{FF2B5EF4-FFF2-40B4-BE49-F238E27FC236}">
+                <a16:creationId xmlns:a16="http://schemas.microsoft.com/office/drawing/2014/main" id="{2185B50E-A381-462C-8376-FA75B6051AA9}"/>
+              </a:ext>
+            </a:extLst>
+          </p:cNvPr>
+          <p:cNvSpPr>
+            <a:spLocks noGrp="1"/>
+          </p:cNvSpPr>
+          <p:nvPr>
+            <p:ph type="title"/>
+          </p:nvPr>
+        </p:nvSpPr>
+        <p:spPr/>
+        <p:txBody>
+          <a:bodyPr/>
+          <a:lstStyle/>
+          <a:p>
+            <a:r>
+              <a:rPr lang="de-DE" dirty="0"/>
+              <a:t>Objektinteraktionen</a:t>
+            </a:r>
+          </a:p>
+        </p:txBody>
+      </p:sp>
+      <p:sp>
+        <p:nvSpPr>
+          <p:cNvPr id="3" name="Inhaltsplatzhalter 2">
+            <a:extLst>
+              <a:ext uri="{FF2B5EF4-FFF2-40B4-BE49-F238E27FC236}">
+                <a16:creationId xmlns:a16="http://schemas.microsoft.com/office/drawing/2014/main" id="{6D792E14-2199-43A9-8622-FAB5A3CDC02F}"/>
+              </a:ext>
+            </a:extLst>
+          </p:cNvPr>
+          <p:cNvSpPr>
+            <a:spLocks noGrp="1"/>
+          </p:cNvSpPr>
+          <p:nvPr>
+            <p:ph idx="1"/>
+          </p:nvPr>
+        </p:nvSpPr>
+        <p:spPr/>
+        <p:txBody>
+          <a:bodyPr/>
+          <a:lstStyle/>
+          <a:p>
+            <a:r>
+              <a:rPr lang="de-DE" dirty="0" err="1"/>
+              <a:t>Platformen</a:t>
+            </a:r>
+            <a:r>
+              <a:rPr lang="de-DE" dirty="0"/>
+              <a:t> auf denen der Ball rollt</a:t>
+            </a:r>
+          </a:p>
+          <a:p>
+            <a:r>
+              <a:rPr lang="de-DE" dirty="0" err="1"/>
+              <a:t>Triggerbox</a:t>
+            </a:r>
+            <a:r>
+              <a:rPr lang="de-DE" dirty="0"/>
+              <a:t> für den Abgrund,  die beim Eintritt den Ball zurücksetzt</a:t>
+            </a:r>
+          </a:p>
+          <a:p>
+            <a:r>
+              <a:rPr lang="de-DE" dirty="0"/>
+              <a:t>Kanonen, die auf den Ball schießen und ihn wegstoßen</a:t>
+            </a:r>
+          </a:p>
+          <a:p>
+            <a:endParaRPr lang="de-DE" dirty="0"/>
+          </a:p>
+        </p:txBody>
+      </p:sp>
+    </p:spTree>
+    <p:extLst>
+      <p:ext uri="{BB962C8B-B14F-4D97-AF65-F5344CB8AC3E}">
+        <p14:creationId xmlns:p14="http://schemas.microsoft.com/office/powerpoint/2010/main" val="4000621551"/>
+      </p:ext>
+    </p:extLst>
+  </p:cSld>
+  <p:clrMapOvr>
+    <a:masterClrMapping/>
+  </p:clrMapOvr>
+</p:sld>
+</file>
+
+<file path=ppt/slides/slide6.xml><?xml version="1.0" encoding="utf-8"?>
+<p:sld xmlns:a="http://schemas.openxmlformats.org/drawingml/2006/main" xmlns:r="http://schemas.openxmlformats.org/officeDocument/2006/relationships" xmlns:p="http://schemas.openxmlformats.org/presentationml/2006/main">
+  <p:cSld>
+    <p:spTree>
+      <p:nvGrpSpPr>
+        <p:cNvPr id="1" name=""/>
+        <p:cNvGrpSpPr/>
+        <p:nvPr/>
+      </p:nvGrpSpPr>
+      <p:grpSpPr>
+        <a:xfrm>
+          <a:off x="0" y="0"/>
+          <a:ext cx="0" cy="0"/>
+          <a:chOff x="0" y="0"/>
+          <a:chExt cx="0" cy="0"/>
+        </a:xfrm>
+      </p:grpSpPr>
+      <p:sp>
+        <p:nvSpPr>
+          <p:cNvPr id="2" name="Titel 1">
+            <a:extLst>
+              <a:ext uri="{FF2B5EF4-FFF2-40B4-BE49-F238E27FC236}">
+                <a16:creationId xmlns:a16="http://schemas.microsoft.com/office/drawing/2014/main" id="{870CF113-6821-41EB-9044-9DCF6F91A791}"/>
+              </a:ext>
+            </a:extLst>
+          </p:cNvPr>
+          <p:cNvSpPr>
+            <a:spLocks noGrp="1"/>
+          </p:cNvSpPr>
+          <p:nvPr>
+            <p:ph type="title"/>
+          </p:nvPr>
+        </p:nvSpPr>
+        <p:spPr/>
+        <p:txBody>
+          <a:bodyPr/>
+          <a:lstStyle/>
+          <a:p>
+            <a:r>
+              <a:rPr lang="de-DE" dirty="0"/>
+              <a:t>Objektanzahl variabel</a:t>
+            </a:r>
+          </a:p>
+        </p:txBody>
+      </p:sp>
+      <p:sp>
+        <p:nvSpPr>
+          <p:cNvPr id="3" name="Inhaltsplatzhalter 2">
+            <a:extLst>
+              <a:ext uri="{FF2B5EF4-FFF2-40B4-BE49-F238E27FC236}">
+                <a16:creationId xmlns:a16="http://schemas.microsoft.com/office/drawing/2014/main" id="{B32DB583-FAFB-4849-97D5-6354BA2CDEDB}"/>
+              </a:ext>
+            </a:extLst>
+          </p:cNvPr>
+          <p:cNvSpPr>
+            <a:spLocks noGrp="1"/>
+          </p:cNvSpPr>
+          <p:nvPr>
+            <p:ph idx="1"/>
+          </p:nvPr>
+        </p:nvSpPr>
+        <p:spPr/>
+        <p:txBody>
+          <a:bodyPr/>
+          <a:lstStyle/>
+          <a:p>
+            <a:r>
+              <a:rPr lang="de-DE" dirty="0"/>
+              <a:t>Projektile werden von den Kanonen erzeugt, wenn der Ball eine </a:t>
+            </a:r>
+            <a:r>
+              <a:rPr lang="de-DE" dirty="0" err="1"/>
+              <a:t>Triggerbox</a:t>
+            </a:r>
+            <a:r>
+              <a:rPr lang="de-DE" dirty="0"/>
+              <a:t> betritt</a:t>
+            </a:r>
+          </a:p>
+        </p:txBody>
+      </p:sp>
+    </p:spTree>
+    <p:extLst>
+      <p:ext uri="{BB962C8B-B14F-4D97-AF65-F5344CB8AC3E}">
+        <p14:creationId xmlns:p14="http://schemas.microsoft.com/office/powerpoint/2010/main" val="703544268"/>
+      </p:ext>
+    </p:extLst>
+  </p:cSld>
+  <p:clrMapOvr>
+    <a:masterClrMapping/>
+  </p:clrMapOvr>
+</p:sld>
+</file>
+
+<file path=ppt/slides/slide7.xml><?xml version="1.0" encoding="utf-8"?>
+<p:sld xmlns:a="http://schemas.openxmlformats.org/drawingml/2006/main" xmlns:r="http://schemas.openxmlformats.org/officeDocument/2006/relationships" xmlns:p="http://schemas.openxmlformats.org/presentationml/2006/main">
+  <p:cSld>
+    <p:spTree>
+      <p:nvGrpSpPr>
+        <p:cNvPr id="1" name=""/>
+        <p:cNvGrpSpPr/>
+        <p:nvPr/>
+      </p:nvGrpSpPr>
+      <p:grpSpPr>
+        <a:xfrm>
+          <a:off x="0" y="0"/>
+          <a:ext cx="0" cy="0"/>
+          <a:chOff x="0" y="0"/>
+          <a:chExt cx="0" cy="0"/>
+        </a:xfrm>
+      </p:grpSpPr>
+      <p:sp>
+        <p:nvSpPr>
+          <p:cNvPr id="2" name="Titel 1">
+            <a:extLst>
+              <a:ext uri="{FF2B5EF4-FFF2-40B4-BE49-F238E27FC236}">
+                <a16:creationId xmlns:a16="http://schemas.microsoft.com/office/drawing/2014/main" id="{1F3E6E99-26D4-4AE7-9DAA-976CAB582DB0}"/>
+              </a:ext>
+            </a:extLst>
+          </p:cNvPr>
+          <p:cNvSpPr>
+            <a:spLocks noGrp="1"/>
+          </p:cNvSpPr>
+          <p:nvPr>
+            <p:ph type="title"/>
+          </p:nvPr>
+        </p:nvSpPr>
+        <p:spPr/>
+        <p:txBody>
+          <a:bodyPr/>
+          <a:lstStyle/>
+          <a:p>
+            <a:r>
+              <a:rPr lang="de-DE" dirty="0"/>
+              <a:t>Szenenhierarchie</a:t>
+            </a:r>
+          </a:p>
+        </p:txBody>
+      </p:sp>
+      <p:sp>
+        <p:nvSpPr>
+          <p:cNvPr id="4" name="Ellipse 3">
+            <a:extLst>
+              <a:ext uri="{FF2B5EF4-FFF2-40B4-BE49-F238E27FC236}">
+                <a16:creationId xmlns:a16="http://schemas.microsoft.com/office/drawing/2014/main" id="{72ABFAD2-454C-44B0-8905-AEB3DC68F9A9}"/>
+              </a:ext>
+            </a:extLst>
+          </p:cNvPr>
+          <p:cNvSpPr/>
+          <p:nvPr/>
+        </p:nvSpPr>
+        <p:spPr>
+          <a:xfrm>
+            <a:off x="4441371" y="2084733"/>
+            <a:ext cx="1660849" cy="625151"/>
+          </a:xfrm>
+          <a:prstGeom prst="ellipse">
+            <a:avLst/>
+          </a:prstGeom>
+        </p:spPr>
+        <p:style>
+          <a:lnRef idx="1">
+            <a:schemeClr val="accent4"/>
+          </a:lnRef>
+          <a:fillRef idx="2">
+            <a:schemeClr val="accent4"/>
+          </a:fillRef>
+          <a:effectRef idx="1">
+            <a:schemeClr val="accent4"/>
+          </a:effectRef>
+          <a:fontRef idx="minor">
+            <a:schemeClr val="dk1"/>
+          </a:fontRef>
+        </p:style>
+        <p:txBody>
+          <a:bodyPr rtlCol="0" anchor="ctr"/>
+          <a:lstStyle/>
+          <a:p>
+            <a:pPr algn="ctr"/>
+            <a:r>
+              <a:rPr lang="de-DE" dirty="0"/>
+              <a:t>Scene</a:t>
+            </a:r>
+          </a:p>
+        </p:txBody>
+      </p:sp>
+      <p:sp>
+        <p:nvSpPr>
+          <p:cNvPr id="5" name="Ellipse 4">
+            <a:extLst>
+              <a:ext uri="{FF2B5EF4-FFF2-40B4-BE49-F238E27FC236}">
+                <a16:creationId xmlns:a16="http://schemas.microsoft.com/office/drawing/2014/main" id="{968FA8A1-A642-4ED6-A6AD-65457A4DD47B}"/>
+              </a:ext>
+            </a:extLst>
+          </p:cNvPr>
+          <p:cNvSpPr/>
+          <p:nvPr/>
+        </p:nvSpPr>
+        <p:spPr>
+          <a:xfrm>
+            <a:off x="1322153" y="3116424"/>
+            <a:ext cx="1660849" cy="625151"/>
+          </a:xfrm>
+          <a:prstGeom prst="ellipse">
+            <a:avLst/>
+          </a:prstGeom>
+        </p:spPr>
+        <p:style>
+          <a:lnRef idx="1">
+            <a:schemeClr val="accent4"/>
+          </a:lnRef>
+          <a:fillRef idx="2">
+            <a:schemeClr val="accent4"/>
+          </a:fillRef>
+          <a:effectRef idx="1">
+            <a:schemeClr val="accent4"/>
+          </a:effectRef>
+          <a:fontRef idx="minor">
+            <a:schemeClr val="dk1"/>
+          </a:fontRef>
+        </p:style>
+        <p:txBody>
+          <a:bodyPr rtlCol="0" anchor="ctr"/>
+          <a:lstStyle/>
+          <a:p>
+            <a:pPr algn="ctr"/>
+            <a:r>
+              <a:rPr lang="de-DE" dirty="0"/>
+              <a:t>Sonne</a:t>
+            </a:r>
+          </a:p>
+        </p:txBody>
+      </p:sp>
+      <p:sp>
+        <p:nvSpPr>
+          <p:cNvPr id="6" name="Ellipse 5">
+            <a:extLst>
+              <a:ext uri="{FF2B5EF4-FFF2-40B4-BE49-F238E27FC236}">
+                <a16:creationId xmlns:a16="http://schemas.microsoft.com/office/drawing/2014/main" id="{6A2680CB-219E-4956-8958-961C08C01C0D}"/>
+              </a:ext>
+            </a:extLst>
+          </p:cNvPr>
+          <p:cNvSpPr/>
+          <p:nvPr/>
+        </p:nvSpPr>
+        <p:spPr>
+          <a:xfrm>
+            <a:off x="3691813" y="3901307"/>
+            <a:ext cx="1660849" cy="625151"/>
+          </a:xfrm>
+          <a:prstGeom prst="ellipse">
+            <a:avLst/>
+          </a:prstGeom>
+        </p:spPr>
+        <p:style>
+          <a:lnRef idx="1">
+            <a:schemeClr val="accent4"/>
+          </a:lnRef>
+          <a:fillRef idx="2">
+            <a:schemeClr val="accent4"/>
+          </a:fillRef>
+          <a:effectRef idx="1">
+            <a:schemeClr val="accent4"/>
+          </a:effectRef>
+          <a:fontRef idx="minor">
+            <a:schemeClr val="dk1"/>
+          </a:fontRef>
+        </p:style>
+        <p:txBody>
+          <a:bodyPr rtlCol="0" anchor="ctr"/>
+          <a:lstStyle/>
+          <a:p>
+            <a:pPr algn="ctr"/>
+            <a:r>
+              <a:rPr lang="de-DE" dirty="0"/>
+              <a:t>Ball</a:t>
+            </a:r>
+          </a:p>
+        </p:txBody>
+      </p:sp>
+      <p:sp>
+        <p:nvSpPr>
+          <p:cNvPr id="7" name="Ellipse 6">
+            <a:extLst>
+              <a:ext uri="{FF2B5EF4-FFF2-40B4-BE49-F238E27FC236}">
+                <a16:creationId xmlns:a16="http://schemas.microsoft.com/office/drawing/2014/main" id="{EB028C4A-52BF-4146-BBBD-DF481A37301B}"/>
+              </a:ext>
+            </a:extLst>
+          </p:cNvPr>
+          <p:cNvSpPr/>
+          <p:nvPr/>
+        </p:nvSpPr>
+        <p:spPr>
+          <a:xfrm>
+            <a:off x="6677610" y="3593353"/>
+            <a:ext cx="1884784" cy="625151"/>
+          </a:xfrm>
+          <a:prstGeom prst="ellipse">
+            <a:avLst/>
+          </a:prstGeom>
+        </p:spPr>
+        <p:style>
+          <a:lnRef idx="1">
+            <a:schemeClr val="accent4"/>
+          </a:lnRef>
+          <a:fillRef idx="2">
+            <a:schemeClr val="accent4"/>
+          </a:fillRef>
+          <a:effectRef idx="1">
+            <a:schemeClr val="accent4"/>
+          </a:effectRef>
+          <a:fontRef idx="minor">
+            <a:schemeClr val="dk1"/>
+          </a:fontRef>
+        </p:style>
+        <p:txBody>
+          <a:bodyPr rtlCol="0" anchor="ctr"/>
+          <a:lstStyle/>
+          <a:p>
+            <a:pPr algn="ctr"/>
+            <a:r>
+              <a:rPr lang="de-DE" dirty="0"/>
+              <a:t>Plattformen</a:t>
+            </a:r>
+          </a:p>
+        </p:txBody>
+      </p:sp>
+      <p:sp>
+        <p:nvSpPr>
+          <p:cNvPr id="8" name="Ellipse 7">
+            <a:extLst>
+              <a:ext uri="{FF2B5EF4-FFF2-40B4-BE49-F238E27FC236}">
+                <a16:creationId xmlns:a16="http://schemas.microsoft.com/office/drawing/2014/main" id="{7A79A9E2-FD6B-4CD5-8D71-E4D0DE9E41AA}"/>
+              </a:ext>
+            </a:extLst>
+          </p:cNvPr>
+          <p:cNvSpPr/>
+          <p:nvPr/>
+        </p:nvSpPr>
+        <p:spPr>
+          <a:xfrm>
+            <a:off x="5456704" y="4594525"/>
+            <a:ext cx="1660849" cy="625151"/>
+          </a:xfrm>
+          <a:prstGeom prst="ellipse">
+            <a:avLst/>
+          </a:prstGeom>
+        </p:spPr>
+        <p:style>
+          <a:lnRef idx="1">
+            <a:schemeClr val="accent4"/>
+          </a:lnRef>
+          <a:fillRef idx="2">
+            <a:schemeClr val="accent4"/>
+          </a:fillRef>
+          <a:effectRef idx="1">
+            <a:schemeClr val="accent4"/>
+          </a:effectRef>
+          <a:fontRef idx="minor">
+            <a:schemeClr val="dk1"/>
+          </a:fontRef>
+        </p:style>
+        <p:txBody>
+          <a:bodyPr rtlCol="0" anchor="ctr"/>
+          <a:lstStyle/>
+          <a:p>
+            <a:pPr algn="ctr"/>
+            <a:r>
+              <a:rPr lang="de-DE" dirty="0"/>
+              <a:t>Böden</a:t>
+            </a:r>
+          </a:p>
+        </p:txBody>
+      </p:sp>
+      <p:sp>
+        <p:nvSpPr>
+          <p:cNvPr id="9" name="Ellipse 8">
+            <a:extLst>
+              <a:ext uri="{FF2B5EF4-FFF2-40B4-BE49-F238E27FC236}">
+                <a16:creationId xmlns:a16="http://schemas.microsoft.com/office/drawing/2014/main" id="{09CDA389-34E4-4369-ADC9-6D9A157A2933}"/>
+              </a:ext>
+            </a:extLst>
+          </p:cNvPr>
+          <p:cNvSpPr/>
+          <p:nvPr/>
+        </p:nvSpPr>
+        <p:spPr>
+          <a:xfrm>
+            <a:off x="6625364" y="5607652"/>
+            <a:ext cx="1660849" cy="625151"/>
+          </a:xfrm>
+          <a:prstGeom prst="ellipse">
+            <a:avLst/>
+          </a:prstGeom>
+        </p:spPr>
+        <p:style>
+          <a:lnRef idx="1">
+            <a:schemeClr val="accent4"/>
+          </a:lnRef>
+          <a:fillRef idx="2">
+            <a:schemeClr val="accent4"/>
+          </a:fillRef>
+          <a:effectRef idx="1">
+            <a:schemeClr val="accent4"/>
+          </a:effectRef>
+          <a:fontRef idx="minor">
+            <a:schemeClr val="dk1"/>
+          </a:fontRef>
+        </p:style>
+        <p:txBody>
+          <a:bodyPr rtlCol="0" anchor="ctr"/>
+          <a:lstStyle/>
+          <a:p>
+            <a:pPr algn="ctr"/>
+            <a:r>
+              <a:rPr lang="de-DE" dirty="0"/>
+              <a:t>Wände</a:t>
+            </a:r>
+          </a:p>
+        </p:txBody>
+      </p:sp>
+      <p:sp>
+        <p:nvSpPr>
+          <p:cNvPr id="10" name="Ellipse 9">
+            <a:extLst>
+              <a:ext uri="{FF2B5EF4-FFF2-40B4-BE49-F238E27FC236}">
+                <a16:creationId xmlns:a16="http://schemas.microsoft.com/office/drawing/2014/main" id="{92899599-8863-4AFE-9B76-182DCA11F77C}"/>
+              </a:ext>
+            </a:extLst>
+          </p:cNvPr>
+          <p:cNvSpPr/>
+          <p:nvPr/>
+        </p:nvSpPr>
+        <p:spPr>
+          <a:xfrm>
+            <a:off x="9243220" y="3809756"/>
+            <a:ext cx="1660849" cy="625151"/>
+          </a:xfrm>
+          <a:prstGeom prst="ellipse">
+            <a:avLst/>
+          </a:prstGeom>
+        </p:spPr>
+        <p:style>
+          <a:lnRef idx="1">
+            <a:schemeClr val="accent4"/>
+          </a:lnRef>
+          <a:fillRef idx="2">
+            <a:schemeClr val="accent4"/>
+          </a:fillRef>
+          <a:effectRef idx="1">
+            <a:schemeClr val="accent4"/>
+          </a:effectRef>
+          <a:fontRef idx="minor">
+            <a:schemeClr val="dk1"/>
+          </a:fontRef>
+        </p:style>
+        <p:txBody>
+          <a:bodyPr rtlCol="0" anchor="ctr"/>
+          <a:lstStyle/>
+          <a:p>
+            <a:pPr algn="ctr"/>
+            <a:r>
+              <a:rPr lang="de-DE" dirty="0"/>
+              <a:t>Kanonen</a:t>
+            </a:r>
+          </a:p>
+        </p:txBody>
+      </p:sp>
+      <p:sp>
+        <p:nvSpPr>
+          <p:cNvPr id="11" name="Ellipse 10">
+            <a:extLst>
+              <a:ext uri="{FF2B5EF4-FFF2-40B4-BE49-F238E27FC236}">
+                <a16:creationId xmlns:a16="http://schemas.microsoft.com/office/drawing/2014/main" id="{7AE55B4E-6C8A-4AFE-9505-A33C374DEF0F}"/>
+              </a:ext>
+            </a:extLst>
+          </p:cNvPr>
+          <p:cNvSpPr/>
+          <p:nvPr/>
+        </p:nvSpPr>
+        <p:spPr>
+          <a:xfrm>
+            <a:off x="8371742" y="4975659"/>
+            <a:ext cx="1884784" cy="763687"/>
+          </a:xfrm>
+          <a:prstGeom prst="ellipse">
+            <a:avLst/>
+          </a:prstGeom>
+        </p:spPr>
+        <p:style>
+          <a:lnRef idx="1">
+            <a:schemeClr val="accent4"/>
+          </a:lnRef>
+          <a:fillRef idx="2">
+            <a:schemeClr val="accent4"/>
+          </a:fillRef>
+          <a:effectRef idx="1">
+            <a:schemeClr val="accent4"/>
+          </a:effectRef>
+          <a:fontRef idx="minor">
+            <a:schemeClr val="dk1"/>
+          </a:fontRef>
+        </p:style>
+        <p:txBody>
+          <a:bodyPr rtlCol="0" anchor="ctr"/>
+          <a:lstStyle/>
+          <a:p>
+            <a:pPr algn="ctr"/>
+            <a:r>
+              <a:rPr lang="de-DE" dirty="0"/>
+              <a:t>Bewegliche Wände</a:t>
+            </a:r>
+          </a:p>
+        </p:txBody>
+      </p:sp>
+      <p:cxnSp>
+        <p:nvCxnSpPr>
+          <p:cNvPr id="13" name="Gerade Verbindung mit Pfeil 12">
+            <a:extLst>
+              <a:ext uri="{FF2B5EF4-FFF2-40B4-BE49-F238E27FC236}">
+                <a16:creationId xmlns:a16="http://schemas.microsoft.com/office/drawing/2014/main" id="{6C43C272-31A8-46E8-A8C6-1C7531A20265}"/>
+              </a:ext>
+            </a:extLst>
+          </p:cNvPr>
+          <p:cNvCxnSpPr>
+            <a:cxnSpLocks/>
+            <a:stCxn id="4" idx="3"/>
+            <a:endCxn id="5" idx="7"/>
+          </p:cNvCxnSpPr>
+          <p:nvPr/>
+        </p:nvCxnSpPr>
+        <p:spPr>
+          <a:xfrm flipH="1">
+            <a:off x="2739776" y="2618333"/>
+            <a:ext cx="1944821" cy="589642"/>
+          </a:xfrm>
+          <a:prstGeom prst="straightConnector1">
+            <a:avLst/>
+          </a:prstGeom>
+          <a:ln>
+            <a:tailEnd type="triangle"/>
+          </a:ln>
+        </p:spPr>
+        <p:style>
+          <a:lnRef idx="1">
+            <a:schemeClr val="accent4"/>
+          </a:lnRef>
+          <a:fillRef idx="2">
+            <a:schemeClr val="accent4"/>
+          </a:fillRef>
+          <a:effectRef idx="1">
+            <a:schemeClr val="accent4"/>
+          </a:effectRef>
+          <a:fontRef idx="minor">
+            <a:schemeClr val="dk1"/>
+          </a:fontRef>
+        </p:style>
+      </p:cxnSp>
+      <p:cxnSp>
+        <p:nvCxnSpPr>
+          <p:cNvPr id="14" name="Gerade Verbindung mit Pfeil 13">
+            <a:extLst>
+              <a:ext uri="{FF2B5EF4-FFF2-40B4-BE49-F238E27FC236}">
+                <a16:creationId xmlns:a16="http://schemas.microsoft.com/office/drawing/2014/main" id="{A7FED257-03E9-44E5-A1F4-BA25AC86FDBD}"/>
+              </a:ext>
+            </a:extLst>
+          </p:cNvPr>
+          <p:cNvCxnSpPr>
+            <a:cxnSpLocks/>
+            <a:stCxn id="4" idx="4"/>
+            <a:endCxn id="6" idx="0"/>
+          </p:cNvCxnSpPr>
+          <p:nvPr/>
+        </p:nvCxnSpPr>
+        <p:spPr>
+          <a:xfrm flipH="1">
+            <a:off x="4522238" y="2709884"/>
+            <a:ext cx="749558" cy="1191423"/>
+          </a:xfrm>
+          <a:prstGeom prst="straightConnector1">
+            <a:avLst/>
+          </a:prstGeom>
+          <a:ln>
+            <a:tailEnd type="triangle"/>
+          </a:ln>
+        </p:spPr>
+        <p:style>
+          <a:lnRef idx="1">
+            <a:schemeClr val="accent4"/>
+          </a:lnRef>
+          <a:fillRef idx="2">
+            <a:schemeClr val="accent4"/>
+          </a:fillRef>
+          <a:effectRef idx="1">
+            <a:schemeClr val="accent4"/>
+          </a:effectRef>
+          <a:fontRef idx="minor">
+            <a:schemeClr val="dk1"/>
+          </a:fontRef>
+        </p:style>
+      </p:cxnSp>
+      <p:cxnSp>
+        <p:nvCxnSpPr>
+          <p:cNvPr id="17" name="Gerade Verbindung mit Pfeil 16">
+            <a:extLst>
+              <a:ext uri="{FF2B5EF4-FFF2-40B4-BE49-F238E27FC236}">
+                <a16:creationId xmlns:a16="http://schemas.microsoft.com/office/drawing/2014/main" id="{806C2B54-7D44-4009-B45E-05C34B12109D}"/>
+              </a:ext>
+            </a:extLst>
+          </p:cNvPr>
+          <p:cNvCxnSpPr>
+            <a:cxnSpLocks/>
+            <a:stCxn id="4" idx="5"/>
+            <a:endCxn id="7" idx="0"/>
+          </p:cNvCxnSpPr>
+          <p:nvPr/>
+        </p:nvCxnSpPr>
+        <p:spPr>
+          <a:xfrm>
+            <a:off x="5858994" y="2618333"/>
+            <a:ext cx="1761008" cy="975020"/>
+          </a:xfrm>
+          <a:prstGeom prst="straightConnector1">
+            <a:avLst/>
+          </a:prstGeom>
+          <a:ln>
+            <a:tailEnd type="triangle"/>
+          </a:ln>
+        </p:spPr>
+        <p:style>
+          <a:lnRef idx="1">
+            <a:schemeClr val="accent4"/>
+          </a:lnRef>
+          <a:fillRef idx="2">
+            <a:schemeClr val="accent4"/>
+          </a:fillRef>
+          <a:effectRef idx="1">
+            <a:schemeClr val="accent4"/>
+          </a:effectRef>
+          <a:fontRef idx="minor">
+            <a:schemeClr val="dk1"/>
+          </a:fontRef>
+        </p:style>
+      </p:cxnSp>
+      <p:sp>
+        <p:nvSpPr>
+          <p:cNvPr id="25" name="Rechteck 24">
+            <a:extLst>
+              <a:ext uri="{FF2B5EF4-FFF2-40B4-BE49-F238E27FC236}">
+                <a16:creationId xmlns:a16="http://schemas.microsoft.com/office/drawing/2014/main" id="{46D2A63E-06D0-4EEC-9263-6F93043CF38B}"/>
+              </a:ext>
+            </a:extLst>
+          </p:cNvPr>
+          <p:cNvSpPr/>
+          <p:nvPr/>
+        </p:nvSpPr>
+        <p:spPr>
+          <a:xfrm>
+            <a:off x="2792965" y="4893205"/>
+            <a:ext cx="1197427" cy="432133"/>
+          </a:xfrm>
+          <a:prstGeom prst="rect">
+            <a:avLst/>
+          </a:prstGeom>
+        </p:spPr>
+        <p:style>
+          <a:lnRef idx="1">
+            <a:schemeClr val="accent4"/>
+          </a:lnRef>
+          <a:fillRef idx="2">
+            <a:schemeClr val="accent4"/>
+          </a:fillRef>
+          <a:effectRef idx="1">
+            <a:schemeClr val="accent4"/>
+          </a:effectRef>
+          <a:fontRef idx="minor">
+            <a:schemeClr val="dk1"/>
+          </a:fontRef>
+        </p:style>
+        <p:txBody>
+          <a:bodyPr rtlCol="0" anchor="ctr"/>
+          <a:lstStyle/>
+          <a:p>
+            <a:pPr algn="ctr"/>
+            <a:r>
+              <a:rPr lang="de-DE" dirty="0"/>
+              <a:t>Kamera</a:t>
+            </a:r>
+          </a:p>
+        </p:txBody>
+      </p:sp>
+      <p:cxnSp>
+        <p:nvCxnSpPr>
+          <p:cNvPr id="26" name="Gerade Verbindung mit Pfeil 25">
+            <a:extLst>
+              <a:ext uri="{FF2B5EF4-FFF2-40B4-BE49-F238E27FC236}">
+                <a16:creationId xmlns:a16="http://schemas.microsoft.com/office/drawing/2014/main" id="{628CF53C-77A0-4751-B43B-12F4B00BA9E8}"/>
+              </a:ext>
+            </a:extLst>
+          </p:cNvPr>
+          <p:cNvCxnSpPr>
+            <a:cxnSpLocks/>
+            <a:stCxn id="6" idx="3"/>
+            <a:endCxn id="25" idx="0"/>
+          </p:cNvCxnSpPr>
+          <p:nvPr/>
+        </p:nvCxnSpPr>
+        <p:spPr>
+          <a:xfrm flipH="1">
+            <a:off x="3391679" y="4434907"/>
+            <a:ext cx="543360" cy="458298"/>
+          </a:xfrm>
+          <a:prstGeom prst="straightConnector1">
+            <a:avLst/>
+          </a:prstGeom>
+          <a:ln>
+            <a:tailEnd type="triangle"/>
+          </a:ln>
+        </p:spPr>
+        <p:style>
+          <a:lnRef idx="1">
+            <a:schemeClr val="accent4"/>
+          </a:lnRef>
+          <a:fillRef idx="2">
+            <a:schemeClr val="accent4"/>
+          </a:fillRef>
+          <a:effectRef idx="1">
+            <a:schemeClr val="accent4"/>
+          </a:effectRef>
+          <a:fontRef idx="minor">
+            <a:schemeClr val="dk1"/>
+          </a:fontRef>
+        </p:style>
+      </p:cxnSp>
+      <p:cxnSp>
+        <p:nvCxnSpPr>
+          <p:cNvPr id="31" name="Gerade Verbindung mit Pfeil 30">
+            <a:extLst>
+              <a:ext uri="{FF2B5EF4-FFF2-40B4-BE49-F238E27FC236}">
+                <a16:creationId xmlns:a16="http://schemas.microsoft.com/office/drawing/2014/main" id="{5CF501BD-3E32-4084-A242-03D972E2C237}"/>
+              </a:ext>
+            </a:extLst>
+          </p:cNvPr>
+          <p:cNvCxnSpPr>
+            <a:cxnSpLocks/>
+            <a:stCxn id="7" idx="3"/>
+            <a:endCxn id="8" idx="0"/>
+          </p:cNvCxnSpPr>
+          <p:nvPr/>
+        </p:nvCxnSpPr>
+        <p:spPr>
+          <a:xfrm flipH="1">
+            <a:off x="6287129" y="4126953"/>
+            <a:ext cx="666501" cy="467572"/>
+          </a:xfrm>
+          <a:prstGeom prst="straightConnector1">
+            <a:avLst/>
+          </a:prstGeom>
+          <a:ln>
+            <a:tailEnd type="triangle"/>
+          </a:ln>
+        </p:spPr>
+        <p:style>
+          <a:lnRef idx="1">
+            <a:schemeClr val="accent4"/>
+          </a:lnRef>
+          <a:fillRef idx="2">
+            <a:schemeClr val="accent4"/>
+          </a:fillRef>
+          <a:effectRef idx="1">
+            <a:schemeClr val="accent4"/>
+          </a:effectRef>
+          <a:fontRef idx="minor">
+            <a:schemeClr val="dk1"/>
+          </a:fontRef>
+        </p:style>
+      </p:cxnSp>
+      <p:cxnSp>
+        <p:nvCxnSpPr>
+          <p:cNvPr id="34" name="Gerade Verbindung mit Pfeil 33">
+            <a:extLst>
+              <a:ext uri="{FF2B5EF4-FFF2-40B4-BE49-F238E27FC236}">
+                <a16:creationId xmlns:a16="http://schemas.microsoft.com/office/drawing/2014/main" id="{301FE875-35F5-4671-83F1-4230A9DECA1D}"/>
+              </a:ext>
+            </a:extLst>
+          </p:cNvPr>
+          <p:cNvCxnSpPr>
+            <a:cxnSpLocks/>
+            <a:stCxn id="7" idx="4"/>
+            <a:endCxn id="9" idx="0"/>
+          </p:cNvCxnSpPr>
+          <p:nvPr/>
+        </p:nvCxnSpPr>
+        <p:spPr>
+          <a:xfrm flipH="1">
+            <a:off x="7455789" y="4218504"/>
+            <a:ext cx="164213" cy="1389148"/>
+          </a:xfrm>
+          <a:prstGeom prst="straightConnector1">
+            <a:avLst/>
+          </a:prstGeom>
+          <a:ln>
+            <a:tailEnd type="triangle"/>
+          </a:ln>
+        </p:spPr>
+        <p:style>
+          <a:lnRef idx="1">
+            <a:schemeClr val="accent4"/>
+          </a:lnRef>
+          <a:fillRef idx="2">
+            <a:schemeClr val="accent4"/>
+          </a:fillRef>
+          <a:effectRef idx="1">
+            <a:schemeClr val="accent4"/>
+          </a:effectRef>
+          <a:fontRef idx="minor">
+            <a:schemeClr val="dk1"/>
+          </a:fontRef>
+        </p:style>
+      </p:cxnSp>
+      <p:cxnSp>
+        <p:nvCxnSpPr>
+          <p:cNvPr id="40" name="Gerade Verbindung mit Pfeil 39">
+            <a:extLst>
+              <a:ext uri="{FF2B5EF4-FFF2-40B4-BE49-F238E27FC236}">
+                <a16:creationId xmlns:a16="http://schemas.microsoft.com/office/drawing/2014/main" id="{98EC329D-6A99-412D-B0B2-60837D66AFC9}"/>
+              </a:ext>
+            </a:extLst>
+          </p:cNvPr>
+          <p:cNvCxnSpPr>
+            <a:cxnSpLocks/>
+            <a:stCxn id="7" idx="5"/>
+            <a:endCxn id="11" idx="0"/>
+          </p:cNvCxnSpPr>
+          <p:nvPr/>
+        </p:nvCxnSpPr>
+        <p:spPr>
+          <a:xfrm>
+            <a:off x="8286374" y="4126953"/>
+            <a:ext cx="1027760" cy="848706"/>
+          </a:xfrm>
+          <a:prstGeom prst="straightConnector1">
+            <a:avLst/>
+          </a:prstGeom>
+          <a:ln>
+            <a:tailEnd type="triangle"/>
+          </a:ln>
+        </p:spPr>
+        <p:style>
+          <a:lnRef idx="1">
+            <a:schemeClr val="accent4"/>
+          </a:lnRef>
+          <a:fillRef idx="2">
+            <a:schemeClr val="accent4"/>
+          </a:fillRef>
+          <a:effectRef idx="1">
+            <a:schemeClr val="accent4"/>
+          </a:effectRef>
+          <a:fontRef idx="minor">
+            <a:schemeClr val="dk1"/>
+          </a:fontRef>
+        </p:style>
+      </p:cxnSp>
+      <p:cxnSp>
+        <p:nvCxnSpPr>
+          <p:cNvPr id="44" name="Gerade Verbindung mit Pfeil 43">
+            <a:extLst>
+              <a:ext uri="{FF2B5EF4-FFF2-40B4-BE49-F238E27FC236}">
+                <a16:creationId xmlns:a16="http://schemas.microsoft.com/office/drawing/2014/main" id="{25C6F72A-9B70-4C8E-8706-2871096AB8B1}"/>
+              </a:ext>
+            </a:extLst>
+          </p:cNvPr>
+          <p:cNvCxnSpPr>
+            <a:cxnSpLocks/>
+            <a:stCxn id="7" idx="6"/>
+            <a:endCxn id="10" idx="1"/>
+          </p:cNvCxnSpPr>
+          <p:nvPr/>
+        </p:nvCxnSpPr>
+        <p:spPr>
+          <a:xfrm flipV="1">
+            <a:off x="8562394" y="3901307"/>
+            <a:ext cx="924052" cy="4622"/>
+          </a:xfrm>
+          <a:prstGeom prst="straightConnector1">
+            <a:avLst/>
+          </a:prstGeom>
+          <a:ln>
+            <a:tailEnd type="triangle"/>
+          </a:ln>
+        </p:spPr>
+        <p:style>
+          <a:lnRef idx="1">
+            <a:schemeClr val="accent4"/>
+          </a:lnRef>
+          <a:fillRef idx="2">
+            <a:schemeClr val="accent4"/>
+          </a:fillRef>
+          <a:effectRef idx="1">
+            <a:schemeClr val="accent4"/>
+          </a:effectRef>
+          <a:fontRef idx="minor">
+            <a:schemeClr val="dk1"/>
+          </a:fontRef>
+        </p:style>
+      </p:cxnSp>
+      <p:sp>
+        <p:nvSpPr>
+          <p:cNvPr id="89" name="Ellipse 88">
+            <a:extLst>
+              <a:ext uri="{FF2B5EF4-FFF2-40B4-BE49-F238E27FC236}">
+                <a16:creationId xmlns:a16="http://schemas.microsoft.com/office/drawing/2014/main" id="{E17A7121-65C1-447E-92B1-6548CFF319DB}"/>
+              </a:ext>
+            </a:extLst>
+          </p:cNvPr>
+          <p:cNvSpPr/>
+          <p:nvPr/>
+        </p:nvSpPr>
+        <p:spPr>
+          <a:xfrm>
+            <a:off x="8308907" y="2475890"/>
+            <a:ext cx="2017267" cy="625151"/>
+          </a:xfrm>
+          <a:prstGeom prst="ellipse">
+            <a:avLst/>
+          </a:prstGeom>
+        </p:spPr>
+        <p:style>
+          <a:lnRef idx="1">
+            <a:schemeClr val="accent4"/>
+          </a:lnRef>
+          <a:fillRef idx="2">
+            <a:schemeClr val="accent4"/>
+          </a:fillRef>
+          <a:effectRef idx="1">
+            <a:schemeClr val="accent4"/>
+          </a:effectRef>
+          <a:fontRef idx="minor">
+            <a:schemeClr val="dk1"/>
+          </a:fontRef>
+        </p:style>
+        <p:txBody>
+          <a:bodyPr rtlCol="0" anchor="ctr"/>
+          <a:lstStyle/>
+          <a:p>
+            <a:pPr algn="ctr"/>
+            <a:r>
+              <a:rPr lang="de-DE" dirty="0"/>
+              <a:t>Zielplattform</a:t>
+            </a:r>
+          </a:p>
+        </p:txBody>
+      </p:sp>
+      <p:cxnSp>
+        <p:nvCxnSpPr>
+          <p:cNvPr id="90" name="Gerade Verbindung mit Pfeil 89">
+            <a:extLst>
+              <a:ext uri="{FF2B5EF4-FFF2-40B4-BE49-F238E27FC236}">
+                <a16:creationId xmlns:a16="http://schemas.microsoft.com/office/drawing/2014/main" id="{63907B97-DF1F-4518-8C6E-883E4A5D264B}"/>
+              </a:ext>
+            </a:extLst>
+          </p:cNvPr>
+          <p:cNvCxnSpPr>
+            <a:cxnSpLocks/>
+            <a:stCxn id="4" idx="6"/>
+            <a:endCxn id="89" idx="2"/>
+          </p:cNvCxnSpPr>
+          <p:nvPr/>
+        </p:nvCxnSpPr>
+        <p:spPr>
+          <a:xfrm>
+            <a:off x="6102220" y="2397309"/>
+            <a:ext cx="2206687" cy="391157"/>
+          </a:xfrm>
+          <a:prstGeom prst="straightConnector1">
+            <a:avLst/>
+          </a:prstGeom>
+          <a:ln>
+            <a:tailEnd type="triangle"/>
+          </a:ln>
+        </p:spPr>
+        <p:style>
+          <a:lnRef idx="1">
+            <a:schemeClr val="accent4"/>
+          </a:lnRef>
+          <a:fillRef idx="2">
+            <a:schemeClr val="accent4"/>
+          </a:fillRef>
+          <a:effectRef idx="1">
+            <a:schemeClr val="accent4"/>
+          </a:effectRef>
+          <a:fontRef idx="minor">
+            <a:schemeClr val="dk1"/>
+          </a:fontRef>
+        </p:style>
+      </p:cxnSp>
+    </p:spTree>
+    <p:extLst>
+      <p:ext uri="{BB962C8B-B14F-4D97-AF65-F5344CB8AC3E}">
+        <p14:creationId xmlns:p14="http://schemas.microsoft.com/office/powerpoint/2010/main" val="1508549938"/>
+      </p:ext>
+    </p:extLst>
+  </p:cSld>
+  <p:clrMapOvr>
+    <a:masterClrMapping/>
+  </p:clrMapOvr>
+</p:sld>
+</file>
+
+<file path=ppt/slides/slide8.xml><?xml version="1.0" encoding="utf-8"?>
+<p:sld xmlns:a="http://schemas.openxmlformats.org/drawingml/2006/main" xmlns:r="http://schemas.openxmlformats.org/officeDocument/2006/relationships" xmlns:p="http://schemas.openxmlformats.org/presentationml/2006/main">
+  <p:cSld>
+    <p:spTree>
+      <p:nvGrpSpPr>
+        <p:cNvPr id="1" name=""/>
+        <p:cNvGrpSpPr/>
+        <p:nvPr/>
+      </p:nvGrpSpPr>
+      <p:grpSpPr>
+        <a:xfrm>
+          <a:off x="0" y="0"/>
+          <a:ext cx="0" cy="0"/>
+          <a:chOff x="0" y="0"/>
+          <a:chExt cx="0" cy="0"/>
+        </a:xfrm>
+      </p:grpSpPr>
+      <p:sp>
+        <p:nvSpPr>
+          <p:cNvPr id="2" name="Titel 1">
+            <a:extLst>
+              <a:ext uri="{FF2B5EF4-FFF2-40B4-BE49-F238E27FC236}">
+                <a16:creationId xmlns:a16="http://schemas.microsoft.com/office/drawing/2014/main" id="{F5AD03CA-2695-4E79-A759-6566A3220D9D}"/>
+              </a:ext>
+            </a:extLst>
+          </p:cNvPr>
+          <p:cNvSpPr>
+            <a:spLocks noGrp="1"/>
+          </p:cNvSpPr>
+          <p:nvPr>
+            <p:ph type="title"/>
+          </p:nvPr>
+        </p:nvSpPr>
+        <p:spPr/>
+        <p:txBody>
+          <a:bodyPr/>
+          <a:lstStyle/>
+          <a:p>
+            <a:r>
+              <a:rPr lang="de-DE" dirty="0"/>
+              <a:t>Sound</a:t>
+            </a:r>
+          </a:p>
+        </p:txBody>
+      </p:sp>
+      <p:sp>
+        <p:nvSpPr>
+          <p:cNvPr id="3" name="Inhaltsplatzhalter 2">
+            <a:extLst>
+              <a:ext uri="{FF2B5EF4-FFF2-40B4-BE49-F238E27FC236}">
+                <a16:creationId xmlns:a16="http://schemas.microsoft.com/office/drawing/2014/main" id="{8573E8A3-9426-4735-A094-A573B1D15C51}"/>
+              </a:ext>
+            </a:extLst>
+          </p:cNvPr>
+          <p:cNvSpPr>
+            <a:spLocks noGrp="1"/>
+          </p:cNvSpPr>
+          <p:nvPr>
+            <p:ph idx="1"/>
+          </p:nvPr>
+        </p:nvSpPr>
+        <p:spPr/>
+        <p:txBody>
+          <a:bodyPr/>
+          <a:lstStyle/>
+          <a:p>
+            <a:r>
+              <a:rPr lang="de-DE" dirty="0"/>
+              <a:t>Soundeffekte bei:</a:t>
+            </a:r>
+          </a:p>
+          <a:p>
+            <a:pPr lvl="1"/>
+            <a:r>
+              <a:rPr lang="de-DE" dirty="0"/>
+              <a:t>Kollisionen des Balls</a:t>
+            </a:r>
+          </a:p>
+          <a:p>
+            <a:pPr lvl="1"/>
+            <a:r>
+              <a:rPr lang="de-DE" dirty="0"/>
+              <a:t>Kontrollwechsel der Plattform</a:t>
+            </a:r>
+          </a:p>
+          <a:p>
+            <a:pPr lvl="1"/>
+            <a:r>
+              <a:rPr lang="de-DE" dirty="0"/>
+              <a:t>Sturz in den Abgrund</a:t>
+            </a:r>
+          </a:p>
+          <a:p>
+            <a:pPr lvl="1"/>
+            <a:r>
+              <a:rPr lang="de-DE" dirty="0"/>
+              <a:t>Erreichen des Ziels</a:t>
+            </a:r>
+          </a:p>
+        </p:txBody>
+      </p:sp>
+    </p:spTree>
+    <p:extLst>
+      <p:ext uri="{BB962C8B-B14F-4D97-AF65-F5344CB8AC3E}">
+        <p14:creationId xmlns:p14="http://schemas.microsoft.com/office/powerpoint/2010/main" val="2584059058"/>
+      </p:ext>
+    </p:extLst>
+  </p:cSld>
+  <p:clrMapOvr>
+    <a:masterClrMapping/>
+  </p:clrMapOvr>
+</p:sld>
+</file>
+
+<file path=ppt/slides/slide9.xml><?xml version="1.0" encoding="utf-8"?>
+<p:sld xmlns:a="http://schemas.openxmlformats.org/drawingml/2006/main" xmlns:r="http://schemas.openxmlformats.org/officeDocument/2006/relationships" xmlns:p="http://schemas.openxmlformats.org/presentationml/2006/main">
+  <p:cSld>
+    <p:spTree>
+      <p:nvGrpSpPr>
+        <p:cNvPr id="1" name=""/>
+        <p:cNvGrpSpPr/>
+        <p:nvPr/>
+      </p:nvGrpSpPr>
+      <p:grpSpPr>
+        <a:xfrm>
+          <a:off x="0" y="0"/>
+          <a:ext cx="0" cy="0"/>
+          <a:chOff x="0" y="0"/>
+          <a:chExt cx="0" cy="0"/>
+        </a:xfrm>
+      </p:grpSpPr>
+      <p:sp>
+        <p:nvSpPr>
+          <p:cNvPr id="2" name="Titel 1">
+            <a:extLst>
+              <a:ext uri="{FF2B5EF4-FFF2-40B4-BE49-F238E27FC236}">
+                <a16:creationId xmlns:a16="http://schemas.microsoft.com/office/drawing/2014/main" id="{48D57AEC-9843-447A-9CA1-253DCAB75B1F}"/>
+              </a:ext>
+            </a:extLst>
+          </p:cNvPr>
+          <p:cNvSpPr>
+            <a:spLocks noGrp="1"/>
+          </p:cNvSpPr>
+          <p:nvPr>
+            <p:ph type="title"/>
+          </p:nvPr>
+        </p:nvSpPr>
+        <p:spPr/>
+        <p:txBody>
+          <a:bodyPr/>
+          <a:lstStyle/>
+          <a:p>
+            <a:r>
+              <a:rPr lang="de-DE" dirty="0"/>
+              <a:t>GUI</a:t>
+            </a:r>
+          </a:p>
+        </p:txBody>
+      </p:sp>
+      <p:sp>
+        <p:nvSpPr>
+          <p:cNvPr id="3" name="Inhaltsplatzhalter 2">
+            <a:extLst>
+              <a:ext uri="{FF2B5EF4-FFF2-40B4-BE49-F238E27FC236}">
+                <a16:creationId xmlns:a16="http://schemas.microsoft.com/office/drawing/2014/main" id="{580A2836-19F9-4D53-9B5D-80F89657B576}"/>
+              </a:ext>
+            </a:extLst>
+          </p:cNvPr>
+          <p:cNvSpPr>
+            <a:spLocks noGrp="1"/>
+          </p:cNvSpPr>
+          <p:nvPr>
+            <p:ph idx="1"/>
+          </p:nvPr>
+        </p:nvSpPr>
+        <p:spPr/>
+        <p:txBody>
+          <a:bodyPr/>
+          <a:lstStyle/>
+          <a:p>
+            <a:r>
+              <a:rPr lang="de-DE" dirty="0"/>
+              <a:t>Startmenu in dem das Spiel gestartet und zur Bestenliste navigiert werden kann</a:t>
+            </a:r>
+          </a:p>
+          <a:p>
+            <a:r>
+              <a:rPr lang="de-DE" dirty="0"/>
+              <a:t>Das Spiel kann über ein in-game-Dialog abgebrochen werden, um zum Startmenu </a:t>
+            </a:r>
+            <a:r>
+              <a:rPr lang="de-DE" dirty="0" err="1"/>
+              <a:t>zurückzugelangen</a:t>
+            </a:r>
+            <a:endParaRPr lang="de-DE" dirty="0"/>
+          </a:p>
+          <a:p>
+            <a:r>
+              <a:rPr lang="de-DE" dirty="0"/>
+              <a:t>Zeitanzeige während des Spiels</a:t>
+            </a:r>
+          </a:p>
+        </p:txBody>
+      </p:sp>
+    </p:spTree>
+    <p:extLst>
+      <p:ext uri="{BB962C8B-B14F-4D97-AF65-F5344CB8AC3E}">
+        <p14:creationId xmlns:p14="http://schemas.microsoft.com/office/powerpoint/2010/main" val="2814601056"/>
       </p:ext>
     </p:extLst>
   </p:cSld>

--- a/concepts/Concept.pptx
+++ b/concepts/Concept.pptx
@@ -5,19 +5,19 @@
     <p:sldMasterId id="2147483648" r:id="rId1"/>
   </p:sldMasterIdLst>
   <p:sldIdLst>
-    <p:sldId id="256" r:id="rId2"/>
-    <p:sldId id="262" r:id="rId3"/>
-    <p:sldId id="260" r:id="rId4"/>
-    <p:sldId id="263" r:id="rId5"/>
-    <p:sldId id="264" r:id="rId6"/>
-    <p:sldId id="265" r:id="rId7"/>
-    <p:sldId id="266" r:id="rId8"/>
-    <p:sldId id="267" r:id="rId9"/>
-    <p:sldId id="268" r:id="rId10"/>
-    <p:sldId id="269" r:id="rId11"/>
-    <p:sldId id="270" r:id="rId12"/>
-    <p:sldId id="271" r:id="rId13"/>
-    <p:sldId id="272" r:id="rId14"/>
+    <p:sldId id="262" r:id="rId2"/>
+    <p:sldId id="260" r:id="rId3"/>
+    <p:sldId id="263" r:id="rId4"/>
+    <p:sldId id="264" r:id="rId5"/>
+    <p:sldId id="265" r:id="rId6"/>
+    <p:sldId id="266" r:id="rId7"/>
+    <p:sldId id="267" r:id="rId8"/>
+    <p:sldId id="268" r:id="rId9"/>
+    <p:sldId id="269" r:id="rId10"/>
+    <p:sldId id="270" r:id="rId11"/>
+    <p:sldId id="271" r:id="rId12"/>
+    <p:sldId id="272" r:id="rId13"/>
+    <p:sldId id="256" r:id="rId14"/>
   </p:sldIdLst>
   <p:sldSz cx="12192000" cy="6858000"/>
   <p:notesSz cx="6858000" cy="9144000"/>
@@ -271,7 +271,7 @@
           <a:p>
             <a:fld id="{E3DB8004-E226-4CFA-9490-C43107A0C39A}" type="datetimeFigureOut">
               <a:rPr lang="de-DE" smtClean="0"/>
-              <a:t>01.06.2021</a:t>
+              <a:t>08.06.2021</a:t>
             </a:fld>
             <a:endParaRPr lang="de-DE"/>
           </a:p>
@@ -469,7 +469,7 @@
           <a:p>
             <a:fld id="{E3DB8004-E226-4CFA-9490-C43107A0C39A}" type="datetimeFigureOut">
               <a:rPr lang="de-DE" smtClean="0"/>
-              <a:t>01.06.2021</a:t>
+              <a:t>08.06.2021</a:t>
             </a:fld>
             <a:endParaRPr lang="de-DE"/>
           </a:p>
@@ -677,7 +677,7 @@
           <a:p>
             <a:fld id="{E3DB8004-E226-4CFA-9490-C43107A0C39A}" type="datetimeFigureOut">
               <a:rPr lang="de-DE" smtClean="0"/>
-              <a:t>01.06.2021</a:t>
+              <a:t>08.06.2021</a:t>
             </a:fld>
             <a:endParaRPr lang="de-DE"/>
           </a:p>
@@ -875,7 +875,7 @@
           <a:p>
             <a:fld id="{E3DB8004-E226-4CFA-9490-C43107A0C39A}" type="datetimeFigureOut">
               <a:rPr lang="de-DE" smtClean="0"/>
-              <a:t>01.06.2021</a:t>
+              <a:t>08.06.2021</a:t>
             </a:fld>
             <a:endParaRPr lang="de-DE"/>
           </a:p>
@@ -1150,7 +1150,7 @@
           <a:p>
             <a:fld id="{E3DB8004-E226-4CFA-9490-C43107A0C39A}" type="datetimeFigureOut">
               <a:rPr lang="de-DE" smtClean="0"/>
-              <a:t>01.06.2021</a:t>
+              <a:t>08.06.2021</a:t>
             </a:fld>
             <a:endParaRPr lang="de-DE"/>
           </a:p>
@@ -1415,7 +1415,7 @@
           <a:p>
             <a:fld id="{E3DB8004-E226-4CFA-9490-C43107A0C39A}" type="datetimeFigureOut">
               <a:rPr lang="de-DE" smtClean="0"/>
-              <a:t>01.06.2021</a:t>
+              <a:t>08.06.2021</a:t>
             </a:fld>
             <a:endParaRPr lang="de-DE"/>
           </a:p>
@@ -1827,7 +1827,7 @@
           <a:p>
             <a:fld id="{E3DB8004-E226-4CFA-9490-C43107A0C39A}" type="datetimeFigureOut">
               <a:rPr lang="de-DE" smtClean="0"/>
-              <a:t>01.06.2021</a:t>
+              <a:t>08.06.2021</a:t>
             </a:fld>
             <a:endParaRPr lang="de-DE"/>
           </a:p>
@@ -1968,7 +1968,7 @@
           <a:p>
             <a:fld id="{E3DB8004-E226-4CFA-9490-C43107A0C39A}" type="datetimeFigureOut">
               <a:rPr lang="de-DE" smtClean="0"/>
-              <a:t>01.06.2021</a:t>
+              <a:t>08.06.2021</a:t>
             </a:fld>
             <a:endParaRPr lang="de-DE"/>
           </a:p>
@@ -2081,7 +2081,7 @@
           <a:p>
             <a:fld id="{E3DB8004-E226-4CFA-9490-C43107A0C39A}" type="datetimeFigureOut">
               <a:rPr lang="de-DE" smtClean="0"/>
-              <a:t>01.06.2021</a:t>
+              <a:t>08.06.2021</a:t>
             </a:fld>
             <a:endParaRPr lang="de-DE"/>
           </a:p>
@@ -2392,7 +2392,7 @@
           <a:p>
             <a:fld id="{E3DB8004-E226-4CFA-9490-C43107A0C39A}" type="datetimeFigureOut">
               <a:rPr lang="de-DE" smtClean="0"/>
-              <a:t>01.06.2021</a:t>
+              <a:t>08.06.2021</a:t>
             </a:fld>
             <a:endParaRPr lang="de-DE"/>
           </a:p>
@@ -2680,7 +2680,7 @@
           <a:p>
             <a:fld id="{E3DB8004-E226-4CFA-9490-C43107A0C39A}" type="datetimeFigureOut">
               <a:rPr lang="de-DE" smtClean="0"/>
-              <a:t>01.06.2021</a:t>
+              <a:t>08.06.2021</a:t>
             </a:fld>
             <a:endParaRPr lang="de-DE"/>
           </a:p>
@@ -2921,7 +2921,7 @@
           <a:p>
             <a:fld id="{E3DB8004-E226-4CFA-9490-C43107A0C39A}" type="datetimeFigureOut">
               <a:rPr lang="de-DE" smtClean="0"/>
-              <a:t>01.06.2021</a:t>
+              <a:t>08.06.2021</a:t>
             </a:fld>
             <a:endParaRPr lang="de-DE"/>
           </a:p>
@@ -3322,678 +3322,6 @@
 </file>
 
 <file path=ppt/slides/slide1.xml><?xml version="1.0" encoding="utf-8"?>
-<p:sld xmlns:a="http://schemas.openxmlformats.org/drawingml/2006/main" xmlns:r="http://schemas.openxmlformats.org/officeDocument/2006/relationships" xmlns:p="http://schemas.openxmlformats.org/presentationml/2006/main" show="0">
-  <p:cSld>
-    <p:bg>
-      <p:bgPr>
-        <a:solidFill>
-          <a:schemeClr val="bg1"/>
-        </a:solidFill>
-        <a:effectLst/>
-      </p:bgPr>
-    </p:bg>
-    <p:spTree>
-      <p:nvGrpSpPr>
-        <p:cNvPr id="1" name=""/>
-        <p:cNvGrpSpPr/>
-        <p:nvPr/>
-      </p:nvGrpSpPr>
-      <p:grpSpPr>
-        <a:xfrm>
-          <a:off x="0" y="0"/>
-          <a:ext cx="0" cy="0"/>
-          <a:chOff x="0" y="0"/>
-          <a:chExt cx="0" cy="0"/>
-        </a:xfrm>
-      </p:grpSpPr>
-      <p:sp>
-        <p:nvSpPr>
-          <p:cNvPr id="2" name="Titel 1">
-            <a:extLst>
-              <a:ext uri="{FF2B5EF4-FFF2-40B4-BE49-F238E27FC236}">
-                <a16:creationId xmlns:a16="http://schemas.microsoft.com/office/drawing/2014/main" id="{BC41421B-5AD1-4591-A95E-5477B135D8AD}"/>
-              </a:ext>
-            </a:extLst>
-          </p:cNvPr>
-          <p:cNvSpPr>
-            <a:spLocks noGrp="1"/>
-          </p:cNvSpPr>
-          <p:nvPr>
-            <p:ph type="ctrTitle"/>
-          </p:nvPr>
-        </p:nvSpPr>
-        <p:spPr>
-          <a:xfrm>
-            <a:off x="838199" y="291090"/>
-            <a:ext cx="10515599" cy="932688"/>
-          </a:xfrm>
-        </p:spPr>
-        <p:txBody>
-          <a:bodyPr>
-            <a:normAutofit/>
-          </a:bodyPr>
-          <a:lstStyle/>
-          <a:p>
-            <a:pPr algn="l"/>
-            <a:r>
-              <a:rPr lang="de-DE" sz="5400" dirty="0"/>
-              <a:t>Maze Ball</a:t>
-            </a:r>
-          </a:p>
-        </p:txBody>
-      </p:sp>
-      <p:sp>
-        <p:nvSpPr>
-          <p:cNvPr id="3" name="Untertitel 2">
-            <a:extLst>
-              <a:ext uri="{FF2B5EF4-FFF2-40B4-BE49-F238E27FC236}">
-                <a16:creationId xmlns:a16="http://schemas.microsoft.com/office/drawing/2014/main" id="{92359E76-72AE-4039-AC28-C2EE3502E60D}"/>
-              </a:ext>
-            </a:extLst>
-          </p:cNvPr>
-          <p:cNvSpPr>
-            <a:spLocks noGrp="1"/>
-          </p:cNvSpPr>
-          <p:nvPr>
-            <p:ph type="subTitle" idx="1"/>
-          </p:nvPr>
-        </p:nvSpPr>
-        <p:spPr>
-          <a:xfrm>
-            <a:off x="838199" y="1335726"/>
-            <a:ext cx="10515599" cy="420624"/>
-          </a:xfrm>
-        </p:spPr>
-        <p:txBody>
-          <a:bodyPr>
-            <a:normAutofit/>
-          </a:bodyPr>
-          <a:lstStyle/>
-          <a:p>
-            <a:pPr algn="l"/>
-            <a:r>
-              <a:rPr lang="de-DE" dirty="0"/>
-              <a:t>Kugel-Labyrinth-Geschicklichkeitsspiel</a:t>
-            </a:r>
-          </a:p>
-        </p:txBody>
-      </p:sp>
-      <p:pic>
-        <p:nvPicPr>
-          <p:cNvPr id="5" name="Grafik 4">
-            <a:extLst>
-              <a:ext uri="{FF2B5EF4-FFF2-40B4-BE49-F238E27FC236}">
-                <a16:creationId xmlns:a16="http://schemas.microsoft.com/office/drawing/2014/main" id="{17B6EDF3-1FF2-4ADE-8D7B-2174FCBFCDA9}"/>
-              </a:ext>
-            </a:extLst>
-          </p:cNvPr>
-          <p:cNvPicPr>
-            <a:picLocks noChangeAspect="1"/>
-          </p:cNvPicPr>
-          <p:nvPr/>
-        </p:nvPicPr>
-        <p:blipFill rotWithShape="1">
-          <a:blip r:embed="rId2">
-            <a:extLst>
-              <a:ext uri="{28A0092B-C50C-407E-A947-70E740481C1C}">
-                <a14:useLocalDpi xmlns:a14="http://schemas.microsoft.com/office/drawing/2010/main" val="0"/>
-              </a:ext>
-            </a:extLst>
-          </a:blip>
-          <a:srcRect l="6866" r="7157"/>
-          <a:stretch/>
-        </p:blipFill>
-        <p:spPr>
-          <a:xfrm>
-            <a:off x="4111487" y="1993863"/>
-            <a:ext cx="8080513" cy="4440746"/>
-          </a:xfrm>
-          <a:prstGeom prst="rect">
-            <a:avLst/>
-          </a:prstGeom>
-        </p:spPr>
-      </p:pic>
-      <p:sp>
-        <p:nvSpPr>
-          <p:cNvPr id="6" name="Textfeld 5">
-            <a:extLst>
-              <a:ext uri="{FF2B5EF4-FFF2-40B4-BE49-F238E27FC236}">
-                <a16:creationId xmlns:a16="http://schemas.microsoft.com/office/drawing/2014/main" id="{FD95EB24-99C2-42DE-8871-B44CB5E20708}"/>
-              </a:ext>
-            </a:extLst>
-          </p:cNvPr>
-          <p:cNvSpPr txBox="1"/>
-          <p:nvPr/>
-        </p:nvSpPr>
-        <p:spPr>
-          <a:xfrm>
-            <a:off x="838200" y="2256823"/>
-            <a:ext cx="4479236" cy="2585323"/>
-          </a:xfrm>
-          <a:prstGeom prst="rect">
-            <a:avLst/>
-          </a:prstGeom>
-          <a:noFill/>
-        </p:spPr>
-        <p:txBody>
-          <a:bodyPr wrap="square" rtlCol="0">
-            <a:spAutoFit/>
-          </a:bodyPr>
-          <a:lstStyle/>
-          <a:p>
-            <a:pPr marL="179388" indent="-179388">
-              <a:buFont typeface="Arial" panose="020B0604020202020204" pitchFamily="34" charset="0"/>
-              <a:buChar char="•"/>
-            </a:pPr>
-            <a:r>
-              <a:rPr lang="de-DE" dirty="0"/>
-              <a:t>Kugel muss durch Kippen des Spielbretts ins Ziel befördert werden</a:t>
-            </a:r>
-          </a:p>
-          <a:p>
-            <a:pPr marL="179388" indent="-179388">
-              <a:buFont typeface="Arial" panose="020B0604020202020204" pitchFamily="34" charset="0"/>
-              <a:buChar char="•"/>
-            </a:pPr>
-            <a:r>
-              <a:rPr lang="de-DE" dirty="0"/>
-              <a:t>Kippen über eine Maussteuerung</a:t>
-            </a:r>
-          </a:p>
-          <a:p>
-            <a:pPr marL="179388" indent="-179388">
-              <a:buFont typeface="Arial" panose="020B0604020202020204" pitchFamily="34" charset="0"/>
-              <a:buChar char="•"/>
-            </a:pPr>
-            <a:r>
-              <a:rPr lang="de-DE" dirty="0"/>
-              <a:t>Löcher in die die Kugel hineinfliegen kann</a:t>
-            </a:r>
-          </a:p>
-          <a:p>
-            <a:pPr marL="452438" lvl="1" indent="-277813">
-              <a:buFont typeface="Symbol" panose="05050102010706020507" pitchFamily="18" charset="2"/>
-              <a:buChar char="®"/>
-            </a:pPr>
-            <a:r>
-              <a:rPr lang="de-DE" dirty="0"/>
-              <a:t>Kugel kommt zurück zur Startposition</a:t>
-            </a:r>
-          </a:p>
-          <a:p>
-            <a:pPr marL="179388" indent="-179388">
-              <a:buFont typeface="Arial" panose="020B0604020202020204" pitchFamily="34" charset="0"/>
-              <a:buChar char="•"/>
-            </a:pPr>
-            <a:r>
-              <a:rPr lang="de-DE" dirty="0"/>
-              <a:t>Sich stetig bewegende Wände</a:t>
-            </a:r>
-          </a:p>
-          <a:p>
-            <a:pPr marL="179388" indent="-179388">
-              <a:buFont typeface="Arial" panose="020B0604020202020204" pitchFamily="34" charset="0"/>
-              <a:buChar char="•"/>
-            </a:pPr>
-            <a:r>
-              <a:rPr lang="de-DE" dirty="0"/>
-              <a:t>Wird das Ziel erreicht, wird der Ball zurückgesetzt und die Zeit in einer Bestzeitentabelle gespeichert</a:t>
-            </a:r>
-          </a:p>
-        </p:txBody>
-      </p:sp>
-    </p:spTree>
-    <p:extLst>
-      <p:ext uri="{BB962C8B-B14F-4D97-AF65-F5344CB8AC3E}">
-        <p14:creationId xmlns:p14="http://schemas.microsoft.com/office/powerpoint/2010/main" val="4202778375"/>
-      </p:ext>
-    </p:extLst>
-  </p:cSld>
-  <p:clrMapOvr>
-    <a:masterClrMapping/>
-  </p:clrMapOvr>
-</p:sld>
-</file>
-
-<file path=ppt/slides/slide10.xml><?xml version="1.0" encoding="utf-8"?>
-<p:sld xmlns:a="http://schemas.openxmlformats.org/drawingml/2006/main" xmlns:r="http://schemas.openxmlformats.org/officeDocument/2006/relationships" xmlns:p="http://schemas.openxmlformats.org/presentationml/2006/main">
-  <p:cSld>
-    <p:spTree>
-      <p:nvGrpSpPr>
-        <p:cNvPr id="1" name=""/>
-        <p:cNvGrpSpPr/>
-        <p:nvPr/>
-      </p:nvGrpSpPr>
-      <p:grpSpPr>
-        <a:xfrm>
-          <a:off x="0" y="0"/>
-          <a:ext cx="0" cy="0"/>
-          <a:chOff x="0" y="0"/>
-          <a:chExt cx="0" cy="0"/>
-        </a:xfrm>
-      </p:grpSpPr>
-      <p:sp>
-        <p:nvSpPr>
-          <p:cNvPr id="2" name="Titel 1">
-            <a:extLst>
-              <a:ext uri="{FF2B5EF4-FFF2-40B4-BE49-F238E27FC236}">
-                <a16:creationId xmlns:a16="http://schemas.microsoft.com/office/drawing/2014/main" id="{759B25BE-E8BE-4EAE-B8A3-951FADB0FBAA}"/>
-              </a:ext>
-            </a:extLst>
-          </p:cNvPr>
-          <p:cNvSpPr>
-            <a:spLocks noGrp="1"/>
-          </p:cNvSpPr>
-          <p:nvPr>
-            <p:ph type="title"/>
-          </p:nvPr>
-        </p:nvSpPr>
-        <p:spPr/>
-        <p:txBody>
-          <a:bodyPr/>
-          <a:lstStyle/>
-          <a:p>
-            <a:r>
-              <a:rPr lang="de-DE" dirty="0"/>
-              <a:t>Externe Daten</a:t>
-            </a:r>
-          </a:p>
-        </p:txBody>
-      </p:sp>
-      <p:sp>
-        <p:nvSpPr>
-          <p:cNvPr id="3" name="Inhaltsplatzhalter 2">
-            <a:extLst>
-              <a:ext uri="{FF2B5EF4-FFF2-40B4-BE49-F238E27FC236}">
-                <a16:creationId xmlns:a16="http://schemas.microsoft.com/office/drawing/2014/main" id="{4C5AAB02-E45C-4BD7-9E18-6A3E71DEC484}"/>
-              </a:ext>
-            </a:extLst>
-          </p:cNvPr>
-          <p:cNvSpPr>
-            <a:spLocks noGrp="1"/>
-          </p:cNvSpPr>
-          <p:nvPr>
-            <p:ph idx="1"/>
-          </p:nvPr>
-        </p:nvSpPr>
-        <p:spPr/>
-        <p:txBody>
-          <a:bodyPr/>
-          <a:lstStyle/>
-          <a:p>
-            <a:r>
-              <a:rPr lang="de-DE" dirty="0"/>
-              <a:t>Bestenliste in der die Bestzeiten gespeichert sind</a:t>
-            </a:r>
-          </a:p>
-          <a:p>
-            <a:pPr marL="179388" indent="-179388">
-              <a:spcAft>
-                <a:spcPts val="600"/>
-              </a:spcAft>
-              <a:buFont typeface="Arial" panose="020B0604020202020204" pitchFamily="34" charset="0"/>
-              <a:buChar char="•"/>
-            </a:pPr>
-            <a:r>
-              <a:rPr lang="de-DE" sz="2800" dirty="0"/>
-              <a:t>Gamesettings in denen z.B. </a:t>
-            </a:r>
-            <a:r>
-              <a:rPr lang="de-DE" dirty="0"/>
-              <a:t>die Kippgeschwindigkeit konfiguriert werden kann</a:t>
-            </a:r>
-          </a:p>
-        </p:txBody>
-      </p:sp>
-    </p:spTree>
-    <p:extLst>
-      <p:ext uri="{BB962C8B-B14F-4D97-AF65-F5344CB8AC3E}">
-        <p14:creationId xmlns:p14="http://schemas.microsoft.com/office/powerpoint/2010/main" val="1206813753"/>
-      </p:ext>
-    </p:extLst>
-  </p:cSld>
-  <p:clrMapOvr>
-    <a:masterClrMapping/>
-  </p:clrMapOvr>
-</p:sld>
-</file>
-
-<file path=ppt/slides/slide11.xml><?xml version="1.0" encoding="utf-8"?>
-<p:sld xmlns:a="http://schemas.openxmlformats.org/drawingml/2006/main" xmlns:r="http://schemas.openxmlformats.org/officeDocument/2006/relationships" xmlns:p="http://schemas.openxmlformats.org/presentationml/2006/main">
-  <p:cSld>
-    <p:spTree>
-      <p:nvGrpSpPr>
-        <p:cNvPr id="1" name=""/>
-        <p:cNvGrpSpPr/>
-        <p:nvPr/>
-      </p:nvGrpSpPr>
-      <p:grpSpPr>
-        <a:xfrm>
-          <a:off x="0" y="0"/>
-          <a:ext cx="0" cy="0"/>
-          <a:chOff x="0" y="0"/>
-          <a:chExt cx="0" cy="0"/>
-        </a:xfrm>
-      </p:grpSpPr>
-      <p:sp>
-        <p:nvSpPr>
-          <p:cNvPr id="2" name="Titel 1">
-            <a:extLst>
-              <a:ext uri="{FF2B5EF4-FFF2-40B4-BE49-F238E27FC236}">
-                <a16:creationId xmlns:a16="http://schemas.microsoft.com/office/drawing/2014/main" id="{65FD46B0-8AC6-4A9A-935C-6A9F05493341}"/>
-              </a:ext>
-            </a:extLst>
-          </p:cNvPr>
-          <p:cNvSpPr>
-            <a:spLocks noGrp="1"/>
-          </p:cNvSpPr>
-          <p:nvPr>
-            <p:ph type="title"/>
-          </p:nvPr>
-        </p:nvSpPr>
-        <p:spPr/>
-        <p:txBody>
-          <a:bodyPr/>
-          <a:lstStyle/>
-          <a:p>
-            <a:r>
-              <a:rPr lang="de-DE" dirty="0"/>
-              <a:t>Komponenten</a:t>
-            </a:r>
-          </a:p>
-        </p:txBody>
-      </p:sp>
-      <p:sp>
-        <p:nvSpPr>
-          <p:cNvPr id="3" name="Inhaltsplatzhalter 2">
-            <a:extLst>
-              <a:ext uri="{FF2B5EF4-FFF2-40B4-BE49-F238E27FC236}">
-                <a16:creationId xmlns:a16="http://schemas.microsoft.com/office/drawing/2014/main" id="{9D6398BC-CF99-4EF8-84EB-86A0C9AD7F96}"/>
-              </a:ext>
-            </a:extLst>
-          </p:cNvPr>
-          <p:cNvSpPr>
-            <a:spLocks noGrp="1"/>
-          </p:cNvSpPr>
-          <p:nvPr>
-            <p:ph idx="1"/>
-          </p:nvPr>
-        </p:nvSpPr>
-        <p:spPr/>
-        <p:txBody>
-          <a:bodyPr/>
-          <a:lstStyle/>
-          <a:p>
-            <a:r>
-              <a:rPr lang="de-DE" dirty="0"/>
-              <a:t>Plattformkomponente, die an die Plattformen in der Szene angehängt werden kann</a:t>
-            </a:r>
-          </a:p>
-          <a:p>
-            <a:r>
-              <a:rPr lang="de-DE" dirty="0"/>
-              <a:t>Kanonenkomponente</a:t>
-            </a:r>
-          </a:p>
-          <a:p>
-            <a:r>
-              <a:rPr lang="de-DE" dirty="0"/>
-              <a:t>Komponente für bewegliche Wände</a:t>
-            </a:r>
-          </a:p>
-        </p:txBody>
-      </p:sp>
-    </p:spTree>
-    <p:extLst>
-      <p:ext uri="{BB962C8B-B14F-4D97-AF65-F5344CB8AC3E}">
-        <p14:creationId xmlns:p14="http://schemas.microsoft.com/office/powerpoint/2010/main" val="2907456757"/>
-      </p:ext>
-    </p:extLst>
-  </p:cSld>
-  <p:clrMapOvr>
-    <a:masterClrMapping/>
-  </p:clrMapOvr>
-</p:sld>
-</file>
-
-<file path=ppt/slides/slide12.xml><?xml version="1.0" encoding="utf-8"?>
-<p:sld xmlns:a="http://schemas.openxmlformats.org/drawingml/2006/main" xmlns:r="http://schemas.openxmlformats.org/officeDocument/2006/relationships" xmlns:p="http://schemas.openxmlformats.org/presentationml/2006/main">
-  <p:cSld>
-    <p:spTree>
-      <p:nvGrpSpPr>
-        <p:cNvPr id="1" name=""/>
-        <p:cNvGrpSpPr/>
-        <p:nvPr/>
-      </p:nvGrpSpPr>
-      <p:grpSpPr>
-        <a:xfrm>
-          <a:off x="0" y="0"/>
-          <a:ext cx="0" cy="0"/>
-          <a:chOff x="0" y="0"/>
-          <a:chExt cx="0" cy="0"/>
-        </a:xfrm>
-      </p:grpSpPr>
-      <p:sp>
-        <p:nvSpPr>
-          <p:cNvPr id="2" name="Titel 1">
-            <a:extLst>
-              <a:ext uri="{FF2B5EF4-FFF2-40B4-BE49-F238E27FC236}">
-                <a16:creationId xmlns:a16="http://schemas.microsoft.com/office/drawing/2014/main" id="{C8F9D496-6F74-4866-8683-B6A21E92A045}"/>
-              </a:ext>
-            </a:extLst>
-          </p:cNvPr>
-          <p:cNvSpPr>
-            <a:spLocks noGrp="1"/>
-          </p:cNvSpPr>
-          <p:nvPr>
-            <p:ph type="title"/>
-          </p:nvPr>
-        </p:nvSpPr>
-        <p:spPr/>
-        <p:txBody>
-          <a:bodyPr/>
-          <a:lstStyle/>
-          <a:p>
-            <a:r>
-              <a:rPr lang="de-DE" dirty="0"/>
-              <a:t>Maße &amp; Positionen</a:t>
-            </a:r>
-          </a:p>
-        </p:txBody>
-      </p:sp>
-      <p:sp>
-        <p:nvSpPr>
-          <p:cNvPr id="3" name="Inhaltsplatzhalter 2">
-            <a:extLst>
-              <a:ext uri="{FF2B5EF4-FFF2-40B4-BE49-F238E27FC236}">
-                <a16:creationId xmlns:a16="http://schemas.microsoft.com/office/drawing/2014/main" id="{7E8AE8FC-A95B-4800-8E2C-74812DD3A60F}"/>
-              </a:ext>
-            </a:extLst>
-          </p:cNvPr>
-          <p:cNvSpPr>
-            <a:spLocks noGrp="1"/>
-          </p:cNvSpPr>
-          <p:nvPr>
-            <p:ph idx="1"/>
-          </p:nvPr>
-        </p:nvSpPr>
-        <p:spPr/>
-        <p:txBody>
-          <a:bodyPr/>
-          <a:lstStyle/>
-          <a:p>
-            <a:r>
-              <a:rPr lang="de-DE" dirty="0"/>
-              <a:t>Startposition ist 0</a:t>
-            </a:r>
-          </a:p>
-          <a:p>
-            <a:r>
-              <a:rPr lang="de-DE" dirty="0"/>
-              <a:t>Balldurchmesser ist 1</a:t>
-            </a:r>
-          </a:p>
-        </p:txBody>
-      </p:sp>
-    </p:spTree>
-    <p:extLst>
-      <p:ext uri="{BB962C8B-B14F-4D97-AF65-F5344CB8AC3E}">
-        <p14:creationId xmlns:p14="http://schemas.microsoft.com/office/powerpoint/2010/main" val="3110857977"/>
-      </p:ext>
-    </p:extLst>
-  </p:cSld>
-  <p:clrMapOvr>
-    <a:masterClrMapping/>
-  </p:clrMapOvr>
-</p:sld>
-</file>
-
-<file path=ppt/slides/slide13.xml><?xml version="1.0" encoding="utf-8"?>
-<p:sld xmlns:a="http://schemas.openxmlformats.org/drawingml/2006/main" xmlns:r="http://schemas.openxmlformats.org/officeDocument/2006/relationships" xmlns:p="http://schemas.openxmlformats.org/presentationml/2006/main">
-  <p:cSld>
-    <p:spTree>
-      <p:nvGrpSpPr>
-        <p:cNvPr id="1" name=""/>
-        <p:cNvGrpSpPr/>
-        <p:nvPr/>
-      </p:nvGrpSpPr>
-      <p:grpSpPr>
-        <a:xfrm>
-          <a:off x="0" y="0"/>
-          <a:ext cx="0" cy="0"/>
-          <a:chOff x="0" y="0"/>
-          <a:chExt cx="0" cy="0"/>
-        </a:xfrm>
-      </p:grpSpPr>
-      <p:sp>
-        <p:nvSpPr>
-          <p:cNvPr id="2" name="Titel 1">
-            <a:extLst>
-              <a:ext uri="{FF2B5EF4-FFF2-40B4-BE49-F238E27FC236}">
-                <a16:creationId xmlns:a16="http://schemas.microsoft.com/office/drawing/2014/main" id="{E6AC7094-895F-4971-9A8C-7D9E5349A7E6}"/>
-              </a:ext>
-            </a:extLst>
-          </p:cNvPr>
-          <p:cNvSpPr>
-            <a:spLocks noGrp="1"/>
-          </p:cNvSpPr>
-          <p:nvPr>
-            <p:ph type="title"/>
-          </p:nvPr>
-        </p:nvSpPr>
-        <p:spPr/>
-        <p:txBody>
-          <a:bodyPr/>
-          <a:lstStyle/>
-          <a:p>
-            <a:r>
-              <a:rPr lang="de-DE" dirty="0"/>
-              <a:t>Event-System</a:t>
-            </a:r>
-          </a:p>
-        </p:txBody>
-      </p:sp>
-      <p:sp>
-        <p:nvSpPr>
-          <p:cNvPr id="3" name="Inhaltsplatzhalter 2">
-            <a:extLst>
-              <a:ext uri="{FF2B5EF4-FFF2-40B4-BE49-F238E27FC236}">
-                <a16:creationId xmlns:a16="http://schemas.microsoft.com/office/drawing/2014/main" id="{62C79E57-B09D-4C92-B3B6-212206AD7C9E}"/>
-              </a:ext>
-            </a:extLst>
-          </p:cNvPr>
-          <p:cNvSpPr>
-            <a:spLocks noGrp="1"/>
-          </p:cNvSpPr>
-          <p:nvPr>
-            <p:ph idx="1"/>
-          </p:nvPr>
-        </p:nvSpPr>
-        <p:spPr/>
-        <p:txBody>
-          <a:bodyPr/>
-          <a:lstStyle/>
-          <a:p>
-            <a:r>
-              <a:rPr lang="de-DE" dirty="0"/>
-              <a:t>Kollisionen</a:t>
-            </a:r>
-          </a:p>
-          <a:p>
-            <a:pPr lvl="1"/>
-            <a:r>
-              <a:rPr lang="de-DE" dirty="0">
-                <a:sym typeface="Wingdings" panose="05000000000000000000" pitchFamily="2" charset="2"/>
-              </a:rPr>
-              <a:t>Soundeffekt</a:t>
-            </a:r>
-          </a:p>
-          <a:p>
-            <a:pPr lvl="1"/>
-            <a:r>
-              <a:rPr lang="de-DE" dirty="0">
-                <a:sym typeface="Wingdings" panose="05000000000000000000" pitchFamily="2" charset="2"/>
-              </a:rPr>
-              <a:t>Plattformkontrollwechsel</a:t>
-            </a:r>
-            <a:endParaRPr lang="de-DE" dirty="0"/>
-          </a:p>
-          <a:p>
-            <a:pPr lvl="1"/>
-            <a:r>
-              <a:rPr lang="de-DE" dirty="0"/>
-              <a:t>Spielende</a:t>
-            </a:r>
-            <a:endParaRPr lang="de-DE" dirty="0">
-              <a:sym typeface="Wingdings" panose="05000000000000000000" pitchFamily="2" charset="2"/>
-            </a:endParaRPr>
-          </a:p>
-          <a:p>
-            <a:r>
-              <a:rPr lang="de-DE" dirty="0" err="1">
-                <a:sym typeface="Wingdings" panose="05000000000000000000" pitchFamily="2" charset="2"/>
-              </a:rPr>
-              <a:t>Triggerbox</a:t>
-            </a:r>
-            <a:r>
-              <a:rPr lang="de-DE" dirty="0">
-                <a:sym typeface="Wingdings" panose="05000000000000000000" pitchFamily="2" charset="2"/>
-              </a:rPr>
-              <a:t> Ein- und Austritte</a:t>
-            </a:r>
-          </a:p>
-          <a:p>
-            <a:pPr lvl="1"/>
-            <a:r>
-              <a:rPr lang="de-DE" dirty="0">
-                <a:sym typeface="Wingdings" panose="05000000000000000000" pitchFamily="2" charset="2"/>
-              </a:rPr>
-              <a:t>Zurücksetzen des Balls</a:t>
-            </a:r>
-          </a:p>
-          <a:p>
-            <a:pPr lvl="1"/>
-            <a:r>
-              <a:rPr lang="de-DE" dirty="0"/>
-              <a:t>Abfeuern einer Kanone</a:t>
-            </a:r>
-          </a:p>
-        </p:txBody>
-      </p:sp>
-    </p:spTree>
-    <p:extLst>
-      <p:ext uri="{BB962C8B-B14F-4D97-AF65-F5344CB8AC3E}">
-        <p14:creationId xmlns:p14="http://schemas.microsoft.com/office/powerpoint/2010/main" val="321917908"/>
-      </p:ext>
-    </p:extLst>
-  </p:cSld>
-  <p:clrMapOvr>
-    <a:masterClrMapping/>
-  </p:clrMapOvr>
-</p:sld>
-</file>
-
-<file path=ppt/slides/slide2.xml><?xml version="1.0" encoding="utf-8"?>
 <p:sld xmlns:a="http://schemas.openxmlformats.org/drawingml/2006/main" xmlns:r="http://schemas.openxmlformats.org/officeDocument/2006/relationships" xmlns:p="http://schemas.openxmlformats.org/presentationml/2006/main">
   <p:cSld>
     <p:bg>
@@ -4632,7 +3960,576 @@
 </p:sld>
 </file>
 
-<file path=ppt/slides/slide3.xml><?xml version="1.0" encoding="utf-8"?>
+<file path=ppt/slides/slide10.xml><?xml version="1.0" encoding="utf-8"?>
+<p:sld xmlns:a="http://schemas.openxmlformats.org/drawingml/2006/main" xmlns:r="http://schemas.openxmlformats.org/officeDocument/2006/relationships" xmlns:p="http://schemas.openxmlformats.org/presentationml/2006/main">
+  <p:cSld>
+    <p:spTree>
+      <p:nvGrpSpPr>
+        <p:cNvPr id="1" name=""/>
+        <p:cNvGrpSpPr/>
+        <p:nvPr/>
+      </p:nvGrpSpPr>
+      <p:grpSpPr>
+        <a:xfrm>
+          <a:off x="0" y="0"/>
+          <a:ext cx="0" cy="0"/>
+          <a:chOff x="0" y="0"/>
+          <a:chExt cx="0" cy="0"/>
+        </a:xfrm>
+      </p:grpSpPr>
+      <p:sp>
+        <p:nvSpPr>
+          <p:cNvPr id="2" name="Titel 1">
+            <a:extLst>
+              <a:ext uri="{FF2B5EF4-FFF2-40B4-BE49-F238E27FC236}">
+                <a16:creationId xmlns:a16="http://schemas.microsoft.com/office/drawing/2014/main" id="{65FD46B0-8AC6-4A9A-935C-6A9F05493341}"/>
+              </a:ext>
+            </a:extLst>
+          </p:cNvPr>
+          <p:cNvSpPr>
+            <a:spLocks noGrp="1"/>
+          </p:cNvSpPr>
+          <p:nvPr>
+            <p:ph type="title"/>
+          </p:nvPr>
+        </p:nvSpPr>
+        <p:spPr/>
+        <p:txBody>
+          <a:bodyPr/>
+          <a:lstStyle/>
+          <a:p>
+            <a:r>
+              <a:rPr lang="de-DE" dirty="0"/>
+              <a:t>Komponenten</a:t>
+            </a:r>
+          </a:p>
+        </p:txBody>
+      </p:sp>
+      <p:sp>
+        <p:nvSpPr>
+          <p:cNvPr id="3" name="Inhaltsplatzhalter 2">
+            <a:extLst>
+              <a:ext uri="{FF2B5EF4-FFF2-40B4-BE49-F238E27FC236}">
+                <a16:creationId xmlns:a16="http://schemas.microsoft.com/office/drawing/2014/main" id="{9D6398BC-CF99-4EF8-84EB-86A0C9AD7F96}"/>
+              </a:ext>
+            </a:extLst>
+          </p:cNvPr>
+          <p:cNvSpPr>
+            <a:spLocks noGrp="1"/>
+          </p:cNvSpPr>
+          <p:nvPr>
+            <p:ph idx="1"/>
+          </p:nvPr>
+        </p:nvSpPr>
+        <p:spPr/>
+        <p:txBody>
+          <a:bodyPr/>
+          <a:lstStyle/>
+          <a:p>
+            <a:r>
+              <a:rPr lang="de-DE" dirty="0"/>
+              <a:t>Plattformkomponente, die an die Plattformen in der Szene angehängt werden kann</a:t>
+            </a:r>
+          </a:p>
+          <a:p>
+            <a:r>
+              <a:rPr lang="de-DE" dirty="0"/>
+              <a:t>Kanonenkomponente</a:t>
+            </a:r>
+          </a:p>
+          <a:p>
+            <a:r>
+              <a:rPr lang="de-DE" dirty="0"/>
+              <a:t>Komponente für bewegliche Wände</a:t>
+            </a:r>
+          </a:p>
+        </p:txBody>
+      </p:sp>
+    </p:spTree>
+    <p:extLst>
+      <p:ext uri="{BB962C8B-B14F-4D97-AF65-F5344CB8AC3E}">
+        <p14:creationId xmlns:p14="http://schemas.microsoft.com/office/powerpoint/2010/main" val="2907456757"/>
+      </p:ext>
+    </p:extLst>
+  </p:cSld>
+  <p:clrMapOvr>
+    <a:masterClrMapping/>
+  </p:clrMapOvr>
+</p:sld>
+</file>
+
+<file path=ppt/slides/slide11.xml><?xml version="1.0" encoding="utf-8"?>
+<p:sld xmlns:a="http://schemas.openxmlformats.org/drawingml/2006/main" xmlns:r="http://schemas.openxmlformats.org/officeDocument/2006/relationships" xmlns:p="http://schemas.openxmlformats.org/presentationml/2006/main">
+  <p:cSld>
+    <p:spTree>
+      <p:nvGrpSpPr>
+        <p:cNvPr id="1" name=""/>
+        <p:cNvGrpSpPr/>
+        <p:nvPr/>
+      </p:nvGrpSpPr>
+      <p:grpSpPr>
+        <a:xfrm>
+          <a:off x="0" y="0"/>
+          <a:ext cx="0" cy="0"/>
+          <a:chOff x="0" y="0"/>
+          <a:chExt cx="0" cy="0"/>
+        </a:xfrm>
+      </p:grpSpPr>
+      <p:sp>
+        <p:nvSpPr>
+          <p:cNvPr id="2" name="Titel 1">
+            <a:extLst>
+              <a:ext uri="{FF2B5EF4-FFF2-40B4-BE49-F238E27FC236}">
+                <a16:creationId xmlns:a16="http://schemas.microsoft.com/office/drawing/2014/main" id="{C8F9D496-6F74-4866-8683-B6A21E92A045}"/>
+              </a:ext>
+            </a:extLst>
+          </p:cNvPr>
+          <p:cNvSpPr>
+            <a:spLocks noGrp="1"/>
+          </p:cNvSpPr>
+          <p:nvPr>
+            <p:ph type="title"/>
+          </p:nvPr>
+        </p:nvSpPr>
+        <p:spPr/>
+        <p:txBody>
+          <a:bodyPr/>
+          <a:lstStyle/>
+          <a:p>
+            <a:r>
+              <a:rPr lang="de-DE" dirty="0"/>
+              <a:t>Maße &amp; Positionen</a:t>
+            </a:r>
+          </a:p>
+        </p:txBody>
+      </p:sp>
+      <p:sp>
+        <p:nvSpPr>
+          <p:cNvPr id="3" name="Inhaltsplatzhalter 2">
+            <a:extLst>
+              <a:ext uri="{FF2B5EF4-FFF2-40B4-BE49-F238E27FC236}">
+                <a16:creationId xmlns:a16="http://schemas.microsoft.com/office/drawing/2014/main" id="{7E8AE8FC-A95B-4800-8E2C-74812DD3A60F}"/>
+              </a:ext>
+            </a:extLst>
+          </p:cNvPr>
+          <p:cNvSpPr>
+            <a:spLocks noGrp="1"/>
+          </p:cNvSpPr>
+          <p:nvPr>
+            <p:ph idx="1"/>
+          </p:nvPr>
+        </p:nvSpPr>
+        <p:spPr/>
+        <p:txBody>
+          <a:bodyPr/>
+          <a:lstStyle/>
+          <a:p>
+            <a:r>
+              <a:rPr lang="de-DE" dirty="0"/>
+              <a:t>Startposition ist 0</a:t>
+            </a:r>
+          </a:p>
+          <a:p>
+            <a:r>
+              <a:rPr lang="de-DE" dirty="0"/>
+              <a:t>Balldurchmesser ist 1</a:t>
+            </a:r>
+          </a:p>
+        </p:txBody>
+      </p:sp>
+    </p:spTree>
+    <p:extLst>
+      <p:ext uri="{BB962C8B-B14F-4D97-AF65-F5344CB8AC3E}">
+        <p14:creationId xmlns:p14="http://schemas.microsoft.com/office/powerpoint/2010/main" val="3110857977"/>
+      </p:ext>
+    </p:extLst>
+  </p:cSld>
+  <p:clrMapOvr>
+    <a:masterClrMapping/>
+  </p:clrMapOvr>
+</p:sld>
+</file>
+
+<file path=ppt/slides/slide12.xml><?xml version="1.0" encoding="utf-8"?>
+<p:sld xmlns:a="http://schemas.openxmlformats.org/drawingml/2006/main" xmlns:r="http://schemas.openxmlformats.org/officeDocument/2006/relationships" xmlns:p="http://schemas.openxmlformats.org/presentationml/2006/main">
+  <p:cSld>
+    <p:spTree>
+      <p:nvGrpSpPr>
+        <p:cNvPr id="1" name=""/>
+        <p:cNvGrpSpPr/>
+        <p:nvPr/>
+      </p:nvGrpSpPr>
+      <p:grpSpPr>
+        <a:xfrm>
+          <a:off x="0" y="0"/>
+          <a:ext cx="0" cy="0"/>
+          <a:chOff x="0" y="0"/>
+          <a:chExt cx="0" cy="0"/>
+        </a:xfrm>
+      </p:grpSpPr>
+      <p:sp>
+        <p:nvSpPr>
+          <p:cNvPr id="2" name="Titel 1">
+            <a:extLst>
+              <a:ext uri="{FF2B5EF4-FFF2-40B4-BE49-F238E27FC236}">
+                <a16:creationId xmlns:a16="http://schemas.microsoft.com/office/drawing/2014/main" id="{E6AC7094-895F-4971-9A8C-7D9E5349A7E6}"/>
+              </a:ext>
+            </a:extLst>
+          </p:cNvPr>
+          <p:cNvSpPr>
+            <a:spLocks noGrp="1"/>
+          </p:cNvSpPr>
+          <p:nvPr>
+            <p:ph type="title"/>
+          </p:nvPr>
+        </p:nvSpPr>
+        <p:spPr/>
+        <p:txBody>
+          <a:bodyPr/>
+          <a:lstStyle/>
+          <a:p>
+            <a:r>
+              <a:rPr lang="de-DE" dirty="0"/>
+              <a:t>Event-System</a:t>
+            </a:r>
+          </a:p>
+        </p:txBody>
+      </p:sp>
+      <p:sp>
+        <p:nvSpPr>
+          <p:cNvPr id="3" name="Inhaltsplatzhalter 2">
+            <a:extLst>
+              <a:ext uri="{FF2B5EF4-FFF2-40B4-BE49-F238E27FC236}">
+                <a16:creationId xmlns:a16="http://schemas.microsoft.com/office/drawing/2014/main" id="{62C79E57-B09D-4C92-B3B6-212206AD7C9E}"/>
+              </a:ext>
+            </a:extLst>
+          </p:cNvPr>
+          <p:cNvSpPr>
+            <a:spLocks noGrp="1"/>
+          </p:cNvSpPr>
+          <p:nvPr>
+            <p:ph idx="1"/>
+          </p:nvPr>
+        </p:nvSpPr>
+        <p:spPr/>
+        <p:txBody>
+          <a:bodyPr/>
+          <a:lstStyle/>
+          <a:p>
+            <a:r>
+              <a:rPr lang="de-DE" dirty="0"/>
+              <a:t>Kollisionen</a:t>
+            </a:r>
+          </a:p>
+          <a:p>
+            <a:pPr lvl="1"/>
+            <a:r>
+              <a:rPr lang="de-DE" dirty="0">
+                <a:sym typeface="Wingdings" panose="05000000000000000000" pitchFamily="2" charset="2"/>
+              </a:rPr>
+              <a:t>Soundeffekt</a:t>
+            </a:r>
+          </a:p>
+          <a:p>
+            <a:pPr lvl="1"/>
+            <a:r>
+              <a:rPr lang="de-DE" dirty="0">
+                <a:sym typeface="Wingdings" panose="05000000000000000000" pitchFamily="2" charset="2"/>
+              </a:rPr>
+              <a:t>Plattformkontrollwechsel</a:t>
+            </a:r>
+            <a:endParaRPr lang="de-DE" dirty="0"/>
+          </a:p>
+          <a:p>
+            <a:pPr lvl="1"/>
+            <a:r>
+              <a:rPr lang="de-DE" dirty="0"/>
+              <a:t>Spielende</a:t>
+            </a:r>
+            <a:endParaRPr lang="de-DE" dirty="0">
+              <a:sym typeface="Wingdings" panose="05000000000000000000" pitchFamily="2" charset="2"/>
+            </a:endParaRPr>
+          </a:p>
+          <a:p>
+            <a:r>
+              <a:rPr lang="de-DE" dirty="0" err="1">
+                <a:sym typeface="Wingdings" panose="05000000000000000000" pitchFamily="2" charset="2"/>
+              </a:rPr>
+              <a:t>Triggerbox</a:t>
+            </a:r>
+            <a:r>
+              <a:rPr lang="de-DE" dirty="0">
+                <a:sym typeface="Wingdings" panose="05000000000000000000" pitchFamily="2" charset="2"/>
+              </a:rPr>
+              <a:t> Ein- und Austritte</a:t>
+            </a:r>
+          </a:p>
+          <a:p>
+            <a:pPr lvl="1"/>
+            <a:r>
+              <a:rPr lang="de-DE" dirty="0">
+                <a:sym typeface="Wingdings" panose="05000000000000000000" pitchFamily="2" charset="2"/>
+              </a:rPr>
+              <a:t>Zurücksetzen des Balls</a:t>
+            </a:r>
+          </a:p>
+          <a:p>
+            <a:pPr lvl="1"/>
+            <a:r>
+              <a:rPr lang="de-DE" dirty="0"/>
+              <a:t>Abfeuern einer Kanone</a:t>
+            </a:r>
+          </a:p>
+        </p:txBody>
+      </p:sp>
+    </p:spTree>
+    <p:extLst>
+      <p:ext uri="{BB962C8B-B14F-4D97-AF65-F5344CB8AC3E}">
+        <p14:creationId xmlns:p14="http://schemas.microsoft.com/office/powerpoint/2010/main" val="321917908"/>
+      </p:ext>
+    </p:extLst>
+  </p:cSld>
+  <p:clrMapOvr>
+    <a:masterClrMapping/>
+  </p:clrMapOvr>
+</p:sld>
+</file>
+
+<file path=ppt/slides/slide13.xml><?xml version="1.0" encoding="utf-8"?>
+<p:sld xmlns:a="http://schemas.openxmlformats.org/drawingml/2006/main" xmlns:r="http://schemas.openxmlformats.org/officeDocument/2006/relationships" xmlns:p="http://schemas.openxmlformats.org/presentationml/2006/main" show="0">
+  <p:cSld>
+    <p:bg>
+      <p:bgPr>
+        <a:solidFill>
+          <a:schemeClr val="bg1"/>
+        </a:solidFill>
+        <a:effectLst/>
+      </p:bgPr>
+    </p:bg>
+    <p:spTree>
+      <p:nvGrpSpPr>
+        <p:cNvPr id="1" name=""/>
+        <p:cNvGrpSpPr/>
+        <p:nvPr/>
+      </p:nvGrpSpPr>
+      <p:grpSpPr>
+        <a:xfrm>
+          <a:off x="0" y="0"/>
+          <a:ext cx="0" cy="0"/>
+          <a:chOff x="0" y="0"/>
+          <a:chExt cx="0" cy="0"/>
+        </a:xfrm>
+      </p:grpSpPr>
+      <p:sp>
+        <p:nvSpPr>
+          <p:cNvPr id="2" name="Titel 1">
+            <a:extLst>
+              <a:ext uri="{FF2B5EF4-FFF2-40B4-BE49-F238E27FC236}">
+                <a16:creationId xmlns:a16="http://schemas.microsoft.com/office/drawing/2014/main" id="{BC41421B-5AD1-4591-A95E-5477B135D8AD}"/>
+              </a:ext>
+            </a:extLst>
+          </p:cNvPr>
+          <p:cNvSpPr>
+            <a:spLocks noGrp="1"/>
+          </p:cNvSpPr>
+          <p:nvPr>
+            <p:ph type="ctrTitle"/>
+          </p:nvPr>
+        </p:nvSpPr>
+        <p:spPr>
+          <a:xfrm>
+            <a:off x="838199" y="291090"/>
+            <a:ext cx="10515599" cy="932688"/>
+          </a:xfrm>
+        </p:spPr>
+        <p:txBody>
+          <a:bodyPr>
+            <a:normAutofit/>
+          </a:bodyPr>
+          <a:lstStyle/>
+          <a:p>
+            <a:pPr algn="l"/>
+            <a:r>
+              <a:rPr lang="de-DE" sz="5400" dirty="0"/>
+              <a:t>Maze Ball</a:t>
+            </a:r>
+          </a:p>
+        </p:txBody>
+      </p:sp>
+      <p:sp>
+        <p:nvSpPr>
+          <p:cNvPr id="3" name="Untertitel 2">
+            <a:extLst>
+              <a:ext uri="{FF2B5EF4-FFF2-40B4-BE49-F238E27FC236}">
+                <a16:creationId xmlns:a16="http://schemas.microsoft.com/office/drawing/2014/main" id="{92359E76-72AE-4039-AC28-C2EE3502E60D}"/>
+              </a:ext>
+            </a:extLst>
+          </p:cNvPr>
+          <p:cNvSpPr>
+            <a:spLocks noGrp="1"/>
+          </p:cNvSpPr>
+          <p:nvPr>
+            <p:ph type="subTitle" idx="1"/>
+          </p:nvPr>
+        </p:nvSpPr>
+        <p:spPr>
+          <a:xfrm>
+            <a:off x="838199" y="1335726"/>
+            <a:ext cx="10515599" cy="420624"/>
+          </a:xfrm>
+        </p:spPr>
+        <p:txBody>
+          <a:bodyPr>
+            <a:normAutofit/>
+          </a:bodyPr>
+          <a:lstStyle/>
+          <a:p>
+            <a:pPr algn="l"/>
+            <a:r>
+              <a:rPr lang="de-DE" dirty="0"/>
+              <a:t>Kugel-Labyrinth-Geschicklichkeitsspiel</a:t>
+            </a:r>
+          </a:p>
+        </p:txBody>
+      </p:sp>
+      <p:pic>
+        <p:nvPicPr>
+          <p:cNvPr id="5" name="Grafik 4">
+            <a:extLst>
+              <a:ext uri="{FF2B5EF4-FFF2-40B4-BE49-F238E27FC236}">
+                <a16:creationId xmlns:a16="http://schemas.microsoft.com/office/drawing/2014/main" id="{17B6EDF3-1FF2-4ADE-8D7B-2174FCBFCDA9}"/>
+              </a:ext>
+            </a:extLst>
+          </p:cNvPr>
+          <p:cNvPicPr>
+            <a:picLocks noChangeAspect="1"/>
+          </p:cNvPicPr>
+          <p:nvPr/>
+        </p:nvPicPr>
+        <p:blipFill rotWithShape="1">
+          <a:blip r:embed="rId2">
+            <a:extLst>
+              <a:ext uri="{28A0092B-C50C-407E-A947-70E740481C1C}">
+                <a14:useLocalDpi xmlns:a14="http://schemas.microsoft.com/office/drawing/2010/main" val="0"/>
+              </a:ext>
+            </a:extLst>
+          </a:blip>
+          <a:srcRect l="6866" r="7157"/>
+          <a:stretch/>
+        </p:blipFill>
+        <p:spPr>
+          <a:xfrm>
+            <a:off x="4111487" y="1993863"/>
+            <a:ext cx="8080513" cy="4440746"/>
+          </a:xfrm>
+          <a:prstGeom prst="rect">
+            <a:avLst/>
+          </a:prstGeom>
+        </p:spPr>
+      </p:pic>
+      <p:sp>
+        <p:nvSpPr>
+          <p:cNvPr id="6" name="Textfeld 5">
+            <a:extLst>
+              <a:ext uri="{FF2B5EF4-FFF2-40B4-BE49-F238E27FC236}">
+                <a16:creationId xmlns:a16="http://schemas.microsoft.com/office/drawing/2014/main" id="{FD95EB24-99C2-42DE-8871-B44CB5E20708}"/>
+              </a:ext>
+            </a:extLst>
+          </p:cNvPr>
+          <p:cNvSpPr txBox="1"/>
+          <p:nvPr/>
+        </p:nvSpPr>
+        <p:spPr>
+          <a:xfrm>
+            <a:off x="838200" y="2256823"/>
+            <a:ext cx="4479236" cy="2585323"/>
+          </a:xfrm>
+          <a:prstGeom prst="rect">
+            <a:avLst/>
+          </a:prstGeom>
+          <a:noFill/>
+        </p:spPr>
+        <p:txBody>
+          <a:bodyPr wrap="square" rtlCol="0">
+            <a:spAutoFit/>
+          </a:bodyPr>
+          <a:lstStyle/>
+          <a:p>
+            <a:pPr marL="179388" indent="-179388">
+              <a:buFont typeface="Arial" panose="020B0604020202020204" pitchFamily="34" charset="0"/>
+              <a:buChar char="•"/>
+            </a:pPr>
+            <a:r>
+              <a:rPr lang="de-DE" dirty="0"/>
+              <a:t>Kugel muss durch Kippen des Spielbretts ins Ziel befördert werden</a:t>
+            </a:r>
+          </a:p>
+          <a:p>
+            <a:pPr marL="179388" indent="-179388">
+              <a:buFont typeface="Arial" panose="020B0604020202020204" pitchFamily="34" charset="0"/>
+              <a:buChar char="•"/>
+            </a:pPr>
+            <a:r>
+              <a:rPr lang="de-DE" dirty="0"/>
+              <a:t>Kippen über eine Maussteuerung</a:t>
+            </a:r>
+          </a:p>
+          <a:p>
+            <a:pPr marL="179388" indent="-179388">
+              <a:buFont typeface="Arial" panose="020B0604020202020204" pitchFamily="34" charset="0"/>
+              <a:buChar char="•"/>
+            </a:pPr>
+            <a:r>
+              <a:rPr lang="de-DE" dirty="0"/>
+              <a:t>Löcher in die die Kugel hineinfliegen kann</a:t>
+            </a:r>
+          </a:p>
+          <a:p>
+            <a:pPr marL="452438" lvl="1" indent="-277813">
+              <a:buFont typeface="Symbol" panose="05050102010706020507" pitchFamily="18" charset="2"/>
+              <a:buChar char="®"/>
+            </a:pPr>
+            <a:r>
+              <a:rPr lang="de-DE" dirty="0"/>
+              <a:t>Kugel kommt zurück zur Startposition</a:t>
+            </a:r>
+          </a:p>
+          <a:p>
+            <a:pPr marL="179388" indent="-179388">
+              <a:buFont typeface="Arial" panose="020B0604020202020204" pitchFamily="34" charset="0"/>
+              <a:buChar char="•"/>
+            </a:pPr>
+            <a:r>
+              <a:rPr lang="de-DE" dirty="0"/>
+              <a:t>Sich stetig bewegende Wände</a:t>
+            </a:r>
+          </a:p>
+          <a:p>
+            <a:pPr marL="179388" indent="-179388">
+              <a:buFont typeface="Arial" panose="020B0604020202020204" pitchFamily="34" charset="0"/>
+              <a:buChar char="•"/>
+            </a:pPr>
+            <a:r>
+              <a:rPr lang="de-DE" dirty="0"/>
+              <a:t>Wird das Ziel erreicht, wird der Ball zurückgesetzt und die Zeit in einer Bestzeitentabelle gespeichert</a:t>
+            </a:r>
+          </a:p>
+        </p:txBody>
+      </p:sp>
+    </p:spTree>
+    <p:extLst>
+      <p:ext uri="{BB962C8B-B14F-4D97-AF65-F5344CB8AC3E}">
+        <p14:creationId xmlns:p14="http://schemas.microsoft.com/office/powerpoint/2010/main" val="4202778375"/>
+      </p:ext>
+    </p:extLst>
+  </p:cSld>
+  <p:clrMapOvr>
+    <a:masterClrMapping/>
+  </p:clrMapOvr>
+</p:sld>
+</file>
+
+<file path=ppt/slides/slide2.xml><?xml version="1.0" encoding="utf-8"?>
 <p:sld xmlns:a="http://schemas.openxmlformats.org/drawingml/2006/main" xmlns:r="http://schemas.openxmlformats.org/officeDocument/2006/relationships" xmlns:p="http://schemas.openxmlformats.org/presentationml/2006/main">
   <p:cSld>
     <p:bg>
@@ -5232,6 +5129,110 @@
 </p:sld>
 </file>
 
+<file path=ppt/slides/slide3.xml><?xml version="1.0" encoding="utf-8"?>
+<p:sld xmlns:a="http://schemas.openxmlformats.org/drawingml/2006/main" xmlns:r="http://schemas.openxmlformats.org/officeDocument/2006/relationships" xmlns:p="http://schemas.openxmlformats.org/presentationml/2006/main">
+  <p:cSld>
+    <p:spTree>
+      <p:nvGrpSpPr>
+        <p:cNvPr id="1" name=""/>
+        <p:cNvGrpSpPr/>
+        <p:nvPr/>
+      </p:nvGrpSpPr>
+      <p:grpSpPr>
+        <a:xfrm>
+          <a:off x="0" y="0"/>
+          <a:ext cx="0" cy="0"/>
+          <a:chOff x="0" y="0"/>
+          <a:chExt cx="0" cy="0"/>
+        </a:xfrm>
+      </p:grpSpPr>
+      <p:sp>
+        <p:nvSpPr>
+          <p:cNvPr id="2" name="Titel 1">
+            <a:extLst>
+              <a:ext uri="{FF2B5EF4-FFF2-40B4-BE49-F238E27FC236}">
+                <a16:creationId xmlns:a16="http://schemas.microsoft.com/office/drawing/2014/main" id="{1C7BCDE0-60BE-4B3A-83EF-0346D05CB181}"/>
+              </a:ext>
+            </a:extLst>
+          </p:cNvPr>
+          <p:cNvSpPr>
+            <a:spLocks noGrp="1"/>
+          </p:cNvSpPr>
+          <p:nvPr>
+            <p:ph type="title"/>
+          </p:nvPr>
+        </p:nvSpPr>
+        <p:spPr/>
+        <p:txBody>
+          <a:bodyPr/>
+          <a:lstStyle/>
+          <a:p>
+            <a:r>
+              <a:rPr lang="de-DE" dirty="0"/>
+              <a:t>Nutzerinteraktionen</a:t>
+            </a:r>
+          </a:p>
+        </p:txBody>
+      </p:sp>
+      <p:sp>
+        <p:nvSpPr>
+          <p:cNvPr id="3" name="Inhaltsplatzhalter 2">
+            <a:extLst>
+              <a:ext uri="{FF2B5EF4-FFF2-40B4-BE49-F238E27FC236}">
+                <a16:creationId xmlns:a16="http://schemas.microsoft.com/office/drawing/2014/main" id="{CC095B5B-2ED5-43EA-A4A0-2FAA2D172717}"/>
+              </a:ext>
+            </a:extLst>
+          </p:cNvPr>
+          <p:cNvSpPr>
+            <a:spLocks noGrp="1"/>
+          </p:cNvSpPr>
+          <p:nvPr>
+            <p:ph idx="1"/>
+          </p:nvPr>
+        </p:nvSpPr>
+        <p:spPr/>
+        <p:txBody>
+          <a:bodyPr/>
+          <a:lstStyle/>
+          <a:p>
+            <a:r>
+              <a:rPr lang="de-DE" dirty="0"/>
+              <a:t>Navigation im Startmenu</a:t>
+            </a:r>
+          </a:p>
+          <a:p>
+            <a:r>
+              <a:rPr lang="de-DE" dirty="0"/>
+              <a:t>Spielabbruch: Escape und in-game-Dialog</a:t>
+            </a:r>
+          </a:p>
+          <a:p>
+            <a:r>
+              <a:rPr lang="de-DE" dirty="0"/>
+              <a:t>Kippen der Plattformen: Bewegung der Maus</a:t>
+            </a:r>
+          </a:p>
+          <a:p>
+            <a:r>
+              <a:rPr lang="de-DE" dirty="0"/>
+              <a:t>Drehen der Plattformen: Mausrad</a:t>
+            </a:r>
+          </a:p>
+        </p:txBody>
+      </p:sp>
+    </p:spTree>
+    <p:extLst>
+      <p:ext uri="{BB962C8B-B14F-4D97-AF65-F5344CB8AC3E}">
+        <p14:creationId xmlns:p14="http://schemas.microsoft.com/office/powerpoint/2010/main" val="2712758755"/>
+      </p:ext>
+    </p:extLst>
+  </p:cSld>
+  <p:clrMapOvr>
+    <a:masterClrMapping/>
+  </p:clrMapOvr>
+</p:sld>
+</file>
+
 <file path=ppt/slides/slide4.xml><?xml version="1.0" encoding="utf-8"?>
 <p:sld xmlns:a="http://schemas.openxmlformats.org/drawingml/2006/main" xmlns:r="http://schemas.openxmlformats.org/officeDocument/2006/relationships" xmlns:p="http://schemas.openxmlformats.org/presentationml/2006/main">
   <p:cSld>
@@ -5254,7 +5255,7 @@
           <p:cNvPr id="2" name="Titel 1">
             <a:extLst>
               <a:ext uri="{FF2B5EF4-FFF2-40B4-BE49-F238E27FC236}">
-                <a16:creationId xmlns:a16="http://schemas.microsoft.com/office/drawing/2014/main" id="{1C7BCDE0-60BE-4B3A-83EF-0346D05CB181}"/>
+                <a16:creationId xmlns:a16="http://schemas.microsoft.com/office/drawing/2014/main" id="{2185B50E-A381-462C-8376-FA75B6051AA9}"/>
               </a:ext>
             </a:extLst>
           </p:cNvPr>
@@ -5272,7 +5273,7 @@
           <a:p>
             <a:r>
               <a:rPr lang="de-DE" dirty="0"/>
-              <a:t>Nutzerinteraktionen</a:t>
+              <a:t>Objektinteraktionen</a:t>
             </a:r>
           </a:p>
         </p:txBody>
@@ -5282,7 +5283,7 @@
           <p:cNvPr id="3" name="Inhaltsplatzhalter 2">
             <a:extLst>
               <a:ext uri="{FF2B5EF4-FFF2-40B4-BE49-F238E27FC236}">
-                <a16:creationId xmlns:a16="http://schemas.microsoft.com/office/drawing/2014/main" id="{CC095B5B-2ED5-43EA-A4A0-2FAA2D172717}"/>
+                <a16:creationId xmlns:a16="http://schemas.microsoft.com/office/drawing/2014/main" id="{6D792E14-2199-43A9-8622-FAB5A3CDC02F}"/>
               </a:ext>
             </a:extLst>
           </p:cNvPr>
@@ -5299,34 +5300,39 @@
           <a:lstStyle/>
           <a:p>
             <a:r>
+              <a:rPr lang="de-DE" dirty="0" err="1"/>
+              <a:t>Platformen</a:t>
+            </a:r>
+            <a:r>
               <a:rPr lang="de-DE" dirty="0"/>
-              <a:t>Navigation im Startmenu</a:t>
-            </a:r>
-          </a:p>
-          <a:p>
+              <a:t> auf denen der Ball rollt</a:t>
+            </a:r>
+          </a:p>
+          <a:p>
+            <a:r>
+              <a:rPr lang="de-DE" dirty="0" err="1"/>
+              <a:t>Triggerbox</a:t>
+            </a:r>
             <a:r>
               <a:rPr lang="de-DE" dirty="0"/>
-              <a:t>Spielabbruch: Escape und in-game-Dialog</a:t>
+              <a:t> für den Abgrund,  die beim Eintritt den Ball zurücksetzt</a:t>
             </a:r>
           </a:p>
           <a:p>
             <a:r>
               <a:rPr lang="de-DE" dirty="0"/>
-              <a:t>Kippen der Plattformen: Bewegung der Maus</a:t>
-            </a:r>
-          </a:p>
-          <a:p>
-            <a:r>
-              <a:rPr lang="de-DE" dirty="0"/>
-              <a:t>Drehen der Plattformen: Mausrad</a:t>
-            </a:r>
+              <a:t>Kanonen, die auf den Ball schießen und ihn wegstoßen</a:t>
+            </a:r>
+          </a:p>
+          <a:p>
+            <a:endParaRPr lang="de-DE" dirty="0"/>
           </a:p>
         </p:txBody>
       </p:sp>
     </p:spTree>
     <p:extLst>
       <p:ext uri="{BB962C8B-B14F-4D97-AF65-F5344CB8AC3E}">
-        <p14:creationId xmlns:p14="http://schemas.microsoft.com/office/powerpoint/2010/main" val="2712758755"/>
+        <p14:creationId xmlns:p14="http://schemas.microsoft.com/office/powerpoint/2010/main" val="4000621551"/>
       </p:ext>
     </p:extLst>
   </p:cSld>
@@ -5358,115 +5364,6 @@
           <p:cNvPr id="2" name="Titel 1">
             <a:extLst>
               <a:ext uri="{FF2B5EF4-FFF2-40B4-BE49-F238E27FC236}">
-                <a16:creationId xmlns:a16="http://schemas.microsoft.com/office/drawing/2014/main" id="{2185B50E-A381-462C-8376-FA75B6051AA9}"/>
-              </a:ext>
-            </a:extLst>
-          </p:cNvPr>
-          <p:cNvSpPr>
-            <a:spLocks noGrp="1"/>
-          </p:cNvSpPr>
-          <p:nvPr>
-            <p:ph type="title"/>
-          </p:nvPr>
-        </p:nvSpPr>
-        <p:spPr/>
-        <p:txBody>
-          <a:bodyPr/>
-          <a:lstStyle/>
-          <a:p>
-            <a:r>
-              <a:rPr lang="de-DE" dirty="0"/>
-              <a:t>Objektinteraktionen</a:t>
-            </a:r>
-          </a:p>
-        </p:txBody>
-      </p:sp>
-      <p:sp>
-        <p:nvSpPr>
-          <p:cNvPr id="3" name="Inhaltsplatzhalter 2">
-            <a:extLst>
-              <a:ext uri="{FF2B5EF4-FFF2-40B4-BE49-F238E27FC236}">
-                <a16:creationId xmlns:a16="http://schemas.microsoft.com/office/drawing/2014/main" id="{6D792E14-2199-43A9-8622-FAB5A3CDC02F}"/>
-              </a:ext>
-            </a:extLst>
-          </p:cNvPr>
-          <p:cNvSpPr>
-            <a:spLocks noGrp="1"/>
-          </p:cNvSpPr>
-          <p:nvPr>
-            <p:ph idx="1"/>
-          </p:nvPr>
-        </p:nvSpPr>
-        <p:spPr/>
-        <p:txBody>
-          <a:bodyPr/>
-          <a:lstStyle/>
-          <a:p>
-            <a:r>
-              <a:rPr lang="de-DE" dirty="0" err="1"/>
-              <a:t>Platformen</a:t>
-            </a:r>
-            <a:r>
-              <a:rPr lang="de-DE" dirty="0"/>
-              <a:t> auf denen der Ball rollt</a:t>
-            </a:r>
-          </a:p>
-          <a:p>
-            <a:r>
-              <a:rPr lang="de-DE" dirty="0" err="1"/>
-              <a:t>Triggerbox</a:t>
-            </a:r>
-            <a:r>
-              <a:rPr lang="de-DE" dirty="0"/>
-              <a:t> für den Abgrund,  die beim Eintritt den Ball zurücksetzt</a:t>
-            </a:r>
-          </a:p>
-          <a:p>
-            <a:r>
-              <a:rPr lang="de-DE" dirty="0"/>
-              <a:t>Kanonen, die auf den Ball schießen und ihn wegstoßen</a:t>
-            </a:r>
-          </a:p>
-          <a:p>
-            <a:endParaRPr lang="de-DE" dirty="0"/>
-          </a:p>
-        </p:txBody>
-      </p:sp>
-    </p:spTree>
-    <p:extLst>
-      <p:ext uri="{BB962C8B-B14F-4D97-AF65-F5344CB8AC3E}">
-        <p14:creationId xmlns:p14="http://schemas.microsoft.com/office/powerpoint/2010/main" val="4000621551"/>
-      </p:ext>
-    </p:extLst>
-  </p:cSld>
-  <p:clrMapOvr>
-    <a:masterClrMapping/>
-  </p:clrMapOvr>
-</p:sld>
-</file>
-
-<file path=ppt/slides/slide6.xml><?xml version="1.0" encoding="utf-8"?>
-<p:sld xmlns:a="http://schemas.openxmlformats.org/drawingml/2006/main" xmlns:r="http://schemas.openxmlformats.org/officeDocument/2006/relationships" xmlns:p="http://schemas.openxmlformats.org/presentationml/2006/main">
-  <p:cSld>
-    <p:spTree>
-      <p:nvGrpSpPr>
-        <p:cNvPr id="1" name=""/>
-        <p:cNvGrpSpPr/>
-        <p:nvPr/>
-      </p:nvGrpSpPr>
-      <p:grpSpPr>
-        <a:xfrm>
-          <a:off x="0" y="0"/>
-          <a:ext cx="0" cy="0"/>
-          <a:chOff x="0" y="0"/>
-          <a:chExt cx="0" cy="0"/>
-        </a:xfrm>
-      </p:grpSpPr>
-      <p:sp>
-        <p:nvSpPr>
-          <p:cNvPr id="2" name="Titel 1">
-            <a:extLst>
-              <a:ext uri="{FF2B5EF4-FFF2-40B4-BE49-F238E27FC236}">
                 <a16:creationId xmlns:a16="http://schemas.microsoft.com/office/drawing/2014/main" id="{870CF113-6821-41EB-9044-9DCF6F91A791}"/>
               </a:ext>
             </a:extLst>
@@ -5539,7 +5436,7 @@
 </p:sld>
 </file>
 
-<file path=ppt/slides/slide7.xml><?xml version="1.0" encoding="utf-8"?>
+<file path=ppt/slides/slide6.xml><?xml version="1.0" encoding="utf-8"?>
 <p:sld xmlns:a="http://schemas.openxmlformats.org/drawingml/2006/main" xmlns:r="http://schemas.openxmlformats.org/officeDocument/2006/relationships" xmlns:p="http://schemas.openxmlformats.org/presentationml/2006/main">
   <p:cSld>
     <p:spTree>
@@ -6454,6 +6351,120 @@
 </p:sld>
 </file>
 
+<file path=ppt/slides/slide7.xml><?xml version="1.0" encoding="utf-8"?>
+<p:sld xmlns:a="http://schemas.openxmlformats.org/drawingml/2006/main" xmlns:r="http://schemas.openxmlformats.org/officeDocument/2006/relationships" xmlns:p="http://schemas.openxmlformats.org/presentationml/2006/main">
+  <p:cSld>
+    <p:spTree>
+      <p:nvGrpSpPr>
+        <p:cNvPr id="1" name=""/>
+        <p:cNvGrpSpPr/>
+        <p:nvPr/>
+      </p:nvGrpSpPr>
+      <p:grpSpPr>
+        <a:xfrm>
+          <a:off x="0" y="0"/>
+          <a:ext cx="0" cy="0"/>
+          <a:chOff x="0" y="0"/>
+          <a:chExt cx="0" cy="0"/>
+        </a:xfrm>
+      </p:grpSpPr>
+      <p:sp>
+        <p:nvSpPr>
+          <p:cNvPr id="2" name="Titel 1">
+            <a:extLst>
+              <a:ext uri="{FF2B5EF4-FFF2-40B4-BE49-F238E27FC236}">
+                <a16:creationId xmlns:a16="http://schemas.microsoft.com/office/drawing/2014/main" id="{F5AD03CA-2695-4E79-A759-6566A3220D9D}"/>
+              </a:ext>
+            </a:extLst>
+          </p:cNvPr>
+          <p:cNvSpPr>
+            <a:spLocks noGrp="1"/>
+          </p:cNvSpPr>
+          <p:nvPr>
+            <p:ph type="title"/>
+          </p:nvPr>
+        </p:nvSpPr>
+        <p:spPr/>
+        <p:txBody>
+          <a:bodyPr/>
+          <a:lstStyle/>
+          <a:p>
+            <a:r>
+              <a:rPr lang="de-DE" dirty="0"/>
+              <a:t>Sound</a:t>
+            </a:r>
+          </a:p>
+        </p:txBody>
+      </p:sp>
+      <p:sp>
+        <p:nvSpPr>
+          <p:cNvPr id="3" name="Inhaltsplatzhalter 2">
+            <a:extLst>
+              <a:ext uri="{FF2B5EF4-FFF2-40B4-BE49-F238E27FC236}">
+                <a16:creationId xmlns:a16="http://schemas.microsoft.com/office/drawing/2014/main" id="{8573E8A3-9426-4735-A094-A573B1D15C51}"/>
+              </a:ext>
+            </a:extLst>
+          </p:cNvPr>
+          <p:cNvSpPr>
+            <a:spLocks noGrp="1"/>
+          </p:cNvSpPr>
+          <p:nvPr>
+            <p:ph idx="1"/>
+          </p:nvPr>
+        </p:nvSpPr>
+        <p:spPr/>
+        <p:txBody>
+          <a:bodyPr/>
+          <a:lstStyle/>
+          <a:p>
+            <a:r>
+              <a:rPr lang="de-DE" dirty="0"/>
+              <a:t>Soundeffekte bei:</a:t>
+            </a:r>
+          </a:p>
+          <a:p>
+            <a:pPr lvl="1"/>
+            <a:r>
+              <a:rPr lang="de-DE" dirty="0"/>
+              <a:t>Kollisionen des Balls</a:t>
+            </a:r>
+          </a:p>
+          <a:p>
+            <a:pPr lvl="1"/>
+            <a:r>
+              <a:rPr lang="de-DE" dirty="0"/>
+              <a:t>Kontrollwechsel der Plattform</a:t>
+            </a:r>
+          </a:p>
+          <a:p>
+            <a:pPr lvl="1"/>
+            <a:r>
+              <a:rPr lang="de-DE" dirty="0"/>
+              <a:t>Sturz in den Abgrund</a:t>
+            </a:r>
+          </a:p>
+          <a:p>
+            <a:pPr lvl="1"/>
+            <a:r>
+              <a:rPr lang="de-DE" dirty="0"/>
+              <a:t>Erreichen des Ziels</a:t>
+            </a:r>
+          </a:p>
+        </p:txBody>
+      </p:sp>
+    </p:spTree>
+    <p:extLst>
+      <p:ext uri="{BB962C8B-B14F-4D97-AF65-F5344CB8AC3E}">
+        <p14:creationId xmlns:p14="http://schemas.microsoft.com/office/powerpoint/2010/main" val="2584059058"/>
+      </p:ext>
+    </p:extLst>
+  </p:cSld>
+  <p:clrMapOvr>
+    <a:masterClrMapping/>
+  </p:clrMapOvr>
+</p:sld>
+</file>
+
 <file path=ppt/slides/slide8.xml><?xml version="1.0" encoding="utf-8"?>
 <p:sld xmlns:a="http://schemas.openxmlformats.org/drawingml/2006/main" xmlns:r="http://schemas.openxmlformats.org/officeDocument/2006/relationships" xmlns:p="http://schemas.openxmlformats.org/presentationml/2006/main">
   <p:cSld>
@@ -6476,7 +6487,7 @@
           <p:cNvPr id="2" name="Titel 1">
             <a:extLst>
               <a:ext uri="{FF2B5EF4-FFF2-40B4-BE49-F238E27FC236}">
-                <a16:creationId xmlns:a16="http://schemas.microsoft.com/office/drawing/2014/main" id="{F5AD03CA-2695-4E79-A759-6566A3220D9D}"/>
+                <a16:creationId xmlns:a16="http://schemas.microsoft.com/office/drawing/2014/main" id="{48D57AEC-9843-447A-9CA1-253DCAB75B1F}"/>
               </a:ext>
             </a:extLst>
           </p:cNvPr>
@@ -6494,7 +6505,7 @@
           <a:p>
             <a:r>
               <a:rPr lang="de-DE" dirty="0"/>
-              <a:t>Sound</a:t>
+              <a:t>GUI</a:t>
             </a:r>
           </a:p>
         </p:txBody>
@@ -6504,7 +6515,7 @@
           <p:cNvPr id="3" name="Inhaltsplatzhalter 2">
             <a:extLst>
               <a:ext uri="{FF2B5EF4-FFF2-40B4-BE49-F238E27FC236}">
-                <a16:creationId xmlns:a16="http://schemas.microsoft.com/office/drawing/2014/main" id="{8573E8A3-9426-4735-A094-A573B1D15C51}"/>
+                <a16:creationId xmlns:a16="http://schemas.microsoft.com/office/drawing/2014/main" id="{580A2836-19F9-4D53-9B5D-80F89657B576}"/>
               </a:ext>
             </a:extLst>
           </p:cNvPr>
@@ -6522,35 +6533,24 @@
           <a:p>
             <a:r>
               <a:rPr lang="de-DE" dirty="0"/>
-              <a:t>Soundeffekte bei:</a:t>
-            </a:r>
-          </a:p>
-          <a:p>
-            <a:pPr lvl="1"/>
+              <a:t>Startmenu in dem das Spiel gestartet und zur Bestenliste navigiert werden kann</a:t>
+            </a:r>
+          </a:p>
+          <a:p>
             <a:r>
               <a:rPr lang="de-DE" dirty="0"/>
-              <a:t>Kollisionen des Balls</a:t>
-            </a:r>
-          </a:p>
-          <a:p>
-            <a:pPr lvl="1"/>
+              <a:t>Das Spiel kann über ein in-game-Dialog abgebrochen werden, um zum Startmenu </a:t>
+            </a:r>
+            <a:r>
+              <a:rPr lang="de-DE" dirty="0" err="1"/>
+              <a:t>zurückzugelangen</a:t>
+            </a:r>
+            <a:endParaRPr lang="de-DE" dirty="0"/>
+          </a:p>
+          <a:p>
             <a:r>
               <a:rPr lang="de-DE" dirty="0"/>
-              <a:t>Kontrollwechsel der Plattform</a:t>
-            </a:r>
-          </a:p>
-          <a:p>
-            <a:pPr lvl="1"/>
-            <a:r>
-              <a:rPr lang="de-DE" dirty="0"/>
-              <a:t>Sturz in den Abgrund</a:t>
-            </a:r>
-          </a:p>
-          <a:p>
-            <a:pPr lvl="1"/>
-            <a:r>
-              <a:rPr lang="de-DE" dirty="0"/>
-              <a:t>Erreichen des Ziels</a:t>
+              <a:t>Zeitanzeige während des Spiels</a:t>
             </a:r>
           </a:p>
         </p:txBody>
@@ -6558,7 +6558,7 @@
     </p:spTree>
     <p:extLst>
       <p:ext uri="{BB962C8B-B14F-4D97-AF65-F5344CB8AC3E}">
-        <p14:creationId xmlns:p14="http://schemas.microsoft.com/office/powerpoint/2010/main" val="2584059058"/>
+        <p14:creationId xmlns:p14="http://schemas.microsoft.com/office/powerpoint/2010/main" val="2814601056"/>
       </p:ext>
     </p:extLst>
   </p:cSld>
@@ -6590,7 +6590,7 @@
           <p:cNvPr id="2" name="Titel 1">
             <a:extLst>
               <a:ext uri="{FF2B5EF4-FFF2-40B4-BE49-F238E27FC236}">
-                <a16:creationId xmlns:a16="http://schemas.microsoft.com/office/drawing/2014/main" id="{48D57AEC-9843-447A-9CA1-253DCAB75B1F}"/>
+                <a16:creationId xmlns:a16="http://schemas.microsoft.com/office/drawing/2014/main" id="{759B25BE-E8BE-4EAE-B8A3-951FADB0FBAA}"/>
               </a:ext>
             </a:extLst>
           </p:cNvPr>
@@ -6608,7 +6608,7 @@
           <a:p>
             <a:r>
               <a:rPr lang="de-DE" dirty="0"/>
-              <a:t>GUI</a:t>
+              <a:t>Externe Daten</a:t>
             </a:r>
           </a:p>
         </p:txBody>
@@ -6618,7 +6618,7 @@
           <p:cNvPr id="3" name="Inhaltsplatzhalter 2">
             <a:extLst>
               <a:ext uri="{FF2B5EF4-FFF2-40B4-BE49-F238E27FC236}">
-                <a16:creationId xmlns:a16="http://schemas.microsoft.com/office/drawing/2014/main" id="{580A2836-19F9-4D53-9B5D-80F89657B576}"/>
+                <a16:creationId xmlns:a16="http://schemas.microsoft.com/office/drawing/2014/main" id="{4C5AAB02-E45C-4BD7-9E18-6A3E71DEC484}"/>
               </a:ext>
             </a:extLst>
           </p:cNvPr>
@@ -6636,24 +6636,24 @@
           <a:p>
             <a:r>
               <a:rPr lang="de-DE" dirty="0"/>
-              <a:t>Startmenu in dem das Spiel gestartet und zur Bestenliste navigiert werden kann</a:t>
-            </a:r>
-          </a:p>
-          <a:p>
+              <a:t>Bestenliste in der die Bestzeiten gespeichert sind</a:t>
+            </a:r>
+          </a:p>
+          <a:p>
+            <a:pPr marL="179388" indent="-179388">
+              <a:spcAft>
+                <a:spcPts val="600"/>
+              </a:spcAft>
+              <a:buFont typeface="Arial" panose="020B0604020202020204" pitchFamily="34" charset="0"/>
+              <a:buChar char="•"/>
+            </a:pPr>
+            <a:r>
+              <a:rPr lang="de-DE" sz="2800" dirty="0"/>
+              <a:t>Gamesettings in denen z.B. </a:t>
+            </a:r>
             <a:r>
               <a:rPr lang="de-DE" dirty="0"/>
-              <a:t>Das Spiel kann über ein in-game-Dialog abgebrochen werden, um zum Startmenu </a:t>
-            </a:r>
-            <a:r>
-              <a:rPr lang="de-DE" dirty="0" err="1"/>
-              <a:t>zurückzugelangen</a:t>
-            </a:r>
-            <a:endParaRPr lang="de-DE" dirty="0"/>
-          </a:p>
-          <a:p>
-            <a:r>
-              <a:rPr lang="de-DE" dirty="0"/>
-              <a:t>Zeitanzeige während des Spiels</a:t>
+              <a:t>die Kippgeschwindigkeit konfiguriert werden kann</a:t>
             </a:r>
           </a:p>
         </p:txBody>
@@ -6661,7 +6661,7 @@
     </p:spTree>
     <p:extLst>
       <p:ext uri="{BB962C8B-B14F-4D97-AF65-F5344CB8AC3E}">
-        <p14:creationId xmlns:p14="http://schemas.microsoft.com/office/powerpoint/2010/main" val="2814601056"/>
+        <p14:creationId xmlns:p14="http://schemas.microsoft.com/office/powerpoint/2010/main" val="1206813753"/>
       </p:ext>
     </p:extLst>
   </p:cSld>
